--- a/make_presentation/templates/templates/classic/_39.pptx
+++ b/make_presentation/templates/templates/classic/_39.pptx
@@ -330,7 +330,7 @@
             <a:pPr algn="r">
               <a:buNone/>
             </a:pPr>
-            <a:fld id="{ACDACB13-FB2D-4E25-99F4-657B45E2D176}" type="slidenum">
+            <a:fld id="{CBA9BE92-15DF-4228-A714-3F8182627474}" type="slidenum">
               <a:rPr b="0" lang="en-US" sz="1400" spc="-1" strike="noStrike">
                 <a:latin typeface="Times New Roman"/>
               </a:rPr>
@@ -378,7 +378,7 @@
         <p:spPr>
           <a:xfrm>
             <a:off x="380880" y="685800"/>
-            <a:ext cx="6090840" cy="3423960"/>
+            <a:ext cx="6090480" cy="3423600"/>
           </a:xfrm>
           <a:prstGeom prst="rect">
             <a:avLst/>
@@ -401,7 +401,7 @@
         <p:spPr>
           <a:xfrm>
             <a:off x="685800" y="4343400"/>
-            <a:ext cx="5481360" cy="4109760"/>
+            <a:ext cx="5481000" cy="4109400"/>
           </a:xfrm>
           <a:prstGeom prst="rect">
             <a:avLst/>
@@ -435,7 +435,7 @@
         <p:spPr>
           <a:xfrm>
             <a:off x="3884760" y="8685360"/>
-            <a:ext cx="2966760" cy="452160"/>
+            <a:ext cx="2966400" cy="451800"/>
           </a:xfrm>
           <a:prstGeom prst="rect">
             <a:avLst/>
@@ -471,7 +471,7 @@
               </a:lnSpc>
               <a:buNone/>
             </a:pPr>
-            <a:fld id="{C2B43EAF-196E-4CC0-8CA7-473149A05E20}" type="slidenum">
+            <a:fld id="{4C2EADFD-0B43-4C1E-B188-0A414E719950}" type="slidenum">
               <a:rPr b="0" lang="en-US" sz="1200" spc="-1" strike="noStrike">
                 <a:solidFill>
                   <a:srgbClr val="000000"/>
@@ -522,7 +522,7 @@
         <p:spPr>
           <a:xfrm>
             <a:off x="380880" y="685800"/>
-            <a:ext cx="6090840" cy="3423960"/>
+            <a:ext cx="6090480" cy="3423600"/>
           </a:xfrm>
           <a:prstGeom prst="rect">
             <a:avLst/>
@@ -545,7 +545,7 @@
         <p:spPr>
           <a:xfrm>
             <a:off x="685800" y="4343400"/>
-            <a:ext cx="5481360" cy="4109760"/>
+            <a:ext cx="5481000" cy="4109400"/>
           </a:xfrm>
           <a:prstGeom prst="rect">
             <a:avLst/>
@@ -579,7 +579,7 @@
         <p:spPr>
           <a:xfrm>
             <a:off x="3884760" y="8685360"/>
-            <a:ext cx="2966760" cy="452160"/>
+            <a:ext cx="2966400" cy="451800"/>
           </a:xfrm>
           <a:prstGeom prst="rect">
             <a:avLst/>
@@ -615,7 +615,7 @@
               </a:lnSpc>
               <a:buNone/>
             </a:pPr>
-            <a:fld id="{8561FE14-4101-4830-A5B7-38F62B239F9D}" type="slidenum">
+            <a:fld id="{AD5F6A21-6ED1-4BE3-9D4C-FAD4FC3458DF}" type="slidenum">
               <a:rPr b="0" lang="en-US" sz="1200" spc="-1" strike="noStrike">
                 <a:solidFill>
                   <a:srgbClr val="000000"/>
@@ -666,7 +666,7 @@
         <p:spPr>
           <a:xfrm>
             <a:off x="380880" y="685800"/>
-            <a:ext cx="6090840" cy="3423960"/>
+            <a:ext cx="6090480" cy="3423600"/>
           </a:xfrm>
           <a:prstGeom prst="rect">
             <a:avLst/>
@@ -689,7 +689,7 @@
         <p:spPr>
           <a:xfrm>
             <a:off x="685800" y="4343400"/>
-            <a:ext cx="5481360" cy="4109760"/>
+            <a:ext cx="5481000" cy="4109400"/>
           </a:xfrm>
           <a:prstGeom prst="rect">
             <a:avLst/>
@@ -723,7 +723,7 @@
         <p:spPr>
           <a:xfrm>
             <a:off x="3884760" y="8685360"/>
-            <a:ext cx="2966760" cy="452160"/>
+            <a:ext cx="2966400" cy="451800"/>
           </a:xfrm>
           <a:prstGeom prst="rect">
             <a:avLst/>
@@ -759,7 +759,7 @@
               </a:lnSpc>
               <a:buNone/>
             </a:pPr>
-            <a:fld id="{63F930C9-C5B8-4716-AA89-C10177C7088A}" type="slidenum">
+            <a:fld id="{866EE4DD-13DA-41D6-807B-D09F6A0B5C8C}" type="slidenum">
               <a:rPr b="0" lang="en-US" sz="1200" spc="-1" strike="noStrike">
                 <a:solidFill>
                   <a:srgbClr val="000000"/>
@@ -810,7 +810,7 @@
         <p:spPr>
           <a:xfrm>
             <a:off x="380880" y="685800"/>
-            <a:ext cx="6090840" cy="3423960"/>
+            <a:ext cx="6090480" cy="3423600"/>
           </a:xfrm>
           <a:prstGeom prst="rect">
             <a:avLst/>
@@ -833,7 +833,7 @@
         <p:spPr>
           <a:xfrm>
             <a:off x="685800" y="4343400"/>
-            <a:ext cx="5481360" cy="4109760"/>
+            <a:ext cx="5481000" cy="4109400"/>
           </a:xfrm>
           <a:prstGeom prst="rect">
             <a:avLst/>
@@ -867,7 +867,7 @@
         <p:spPr>
           <a:xfrm>
             <a:off x="3884760" y="8685360"/>
-            <a:ext cx="2966760" cy="452160"/>
+            <a:ext cx="2966400" cy="451800"/>
           </a:xfrm>
           <a:prstGeom prst="rect">
             <a:avLst/>
@@ -903,7 +903,7 @@
               </a:lnSpc>
               <a:buNone/>
             </a:pPr>
-            <a:fld id="{2806104D-3685-4185-A6E6-D327AF8E0FA1}" type="slidenum">
+            <a:fld id="{2E882AE6-3CC1-4294-BBF5-5C5116B00370}" type="slidenum">
               <a:rPr b="0" lang="en-US" sz="1200" spc="-1" strike="noStrike">
                 <a:solidFill>
                   <a:srgbClr val="000000"/>
@@ -954,7 +954,7 @@
         <p:spPr>
           <a:xfrm>
             <a:off x="380880" y="685800"/>
-            <a:ext cx="6090840" cy="3423960"/>
+            <a:ext cx="6090480" cy="3423600"/>
           </a:xfrm>
           <a:prstGeom prst="rect">
             <a:avLst/>
@@ -977,7 +977,7 @@
         <p:spPr>
           <a:xfrm>
             <a:off x="685800" y="4343400"/>
-            <a:ext cx="5481360" cy="4109760"/>
+            <a:ext cx="5481000" cy="4109400"/>
           </a:xfrm>
           <a:prstGeom prst="rect">
             <a:avLst/>
@@ -1011,7 +1011,7 @@
         <p:spPr>
           <a:xfrm>
             <a:off x="3884760" y="8685360"/>
-            <a:ext cx="2966760" cy="452160"/>
+            <a:ext cx="2966400" cy="451800"/>
           </a:xfrm>
           <a:prstGeom prst="rect">
             <a:avLst/>
@@ -1047,7 +1047,7 @@
               </a:lnSpc>
               <a:buNone/>
             </a:pPr>
-            <a:fld id="{331E034C-084B-421F-BD54-849AC832091A}" type="slidenum">
+            <a:fld id="{BA065FFB-8771-4795-A10F-D0071730DD5F}" type="slidenum">
               <a:rPr b="0" lang="en-US" sz="1200" spc="-1" strike="noStrike">
                 <a:solidFill>
                   <a:srgbClr val="000000"/>
@@ -1098,7 +1098,7 @@
         <p:spPr>
           <a:xfrm>
             <a:off x="380880" y="685800"/>
-            <a:ext cx="6090840" cy="3423960"/>
+            <a:ext cx="6090480" cy="3423600"/>
           </a:xfrm>
           <a:prstGeom prst="rect">
             <a:avLst/>
@@ -1121,7 +1121,7 @@
         <p:spPr>
           <a:xfrm>
             <a:off x="685800" y="4343400"/>
-            <a:ext cx="5481360" cy="4109760"/>
+            <a:ext cx="5481000" cy="4109400"/>
           </a:xfrm>
           <a:prstGeom prst="rect">
             <a:avLst/>
@@ -1155,7 +1155,7 @@
         <p:spPr>
           <a:xfrm>
             <a:off x="3884760" y="8685360"/>
-            <a:ext cx="2966760" cy="452160"/>
+            <a:ext cx="2966400" cy="451800"/>
           </a:xfrm>
           <a:prstGeom prst="rect">
             <a:avLst/>
@@ -1191,7 +1191,7 @@
               </a:lnSpc>
               <a:buNone/>
             </a:pPr>
-            <a:fld id="{5496F4C2-FBE3-41C5-8FC3-A84CF5274EB9}" type="slidenum">
+            <a:fld id="{81A090FA-7241-42E9-9284-60222911B362}" type="slidenum">
               <a:rPr b="0" lang="en-US" sz="1200" spc="-1" strike="noStrike">
                 <a:solidFill>
                   <a:srgbClr val="000000"/>
@@ -1242,7 +1242,7 @@
         <p:spPr>
           <a:xfrm>
             <a:off x="380880" y="685800"/>
-            <a:ext cx="6090840" cy="3423960"/>
+            <a:ext cx="6090480" cy="3423600"/>
           </a:xfrm>
           <a:prstGeom prst="rect">
             <a:avLst/>
@@ -1265,7 +1265,7 @@
         <p:spPr>
           <a:xfrm>
             <a:off x="685800" y="4343400"/>
-            <a:ext cx="5481360" cy="4109760"/>
+            <a:ext cx="5481000" cy="4109400"/>
           </a:xfrm>
           <a:prstGeom prst="rect">
             <a:avLst/>
@@ -1299,7 +1299,7 @@
         <p:spPr>
           <a:xfrm>
             <a:off x="3884760" y="8685360"/>
-            <a:ext cx="2966760" cy="452160"/>
+            <a:ext cx="2966400" cy="451800"/>
           </a:xfrm>
           <a:prstGeom prst="rect">
             <a:avLst/>
@@ -1335,7 +1335,7 @@
               </a:lnSpc>
               <a:buNone/>
             </a:pPr>
-            <a:fld id="{438CC8CA-3DCB-49E7-917A-A8D77E117EE6}" type="slidenum">
+            <a:fld id="{EFD2503F-2091-4C78-B3F1-2061ACE2A4A7}" type="slidenum">
               <a:rPr b="0" lang="en-US" sz="1200" spc="-1" strike="noStrike">
                 <a:solidFill>
                   <a:srgbClr val="000000"/>
@@ -1386,7 +1386,7 @@
         <p:spPr>
           <a:xfrm>
             <a:off x="380880" y="685800"/>
-            <a:ext cx="6090840" cy="3423960"/>
+            <a:ext cx="6090480" cy="3423600"/>
           </a:xfrm>
           <a:prstGeom prst="rect">
             <a:avLst/>
@@ -1409,7 +1409,7 @@
         <p:spPr>
           <a:xfrm>
             <a:off x="685800" y="4343400"/>
-            <a:ext cx="5481360" cy="4109760"/>
+            <a:ext cx="5481000" cy="4109400"/>
           </a:xfrm>
           <a:prstGeom prst="rect">
             <a:avLst/>
@@ -1443,7 +1443,7 @@
         <p:spPr>
           <a:xfrm>
             <a:off x="3884760" y="8685360"/>
-            <a:ext cx="2966760" cy="452160"/>
+            <a:ext cx="2966400" cy="451800"/>
           </a:xfrm>
           <a:prstGeom prst="rect">
             <a:avLst/>
@@ -1479,7 +1479,7 @@
               </a:lnSpc>
               <a:buNone/>
             </a:pPr>
-            <a:fld id="{E2F55EC7-DA02-48DF-B746-BC11C6DCA9EF}" type="slidenum">
+            <a:fld id="{96BE707A-C672-40FA-8CE4-487F46B70F4B}" type="slidenum">
               <a:rPr b="0" lang="en-US" sz="1200" spc="-1" strike="noStrike">
                 <a:solidFill>
                   <a:srgbClr val="000000"/>
@@ -1530,7 +1530,7 @@
         <p:spPr>
           <a:xfrm>
             <a:off x="380880" y="685800"/>
-            <a:ext cx="6090840" cy="3423960"/>
+            <a:ext cx="6090480" cy="3423600"/>
           </a:xfrm>
           <a:prstGeom prst="rect">
             <a:avLst/>
@@ -1553,7 +1553,7 @@
         <p:spPr>
           <a:xfrm>
             <a:off x="685800" y="4343400"/>
-            <a:ext cx="5481360" cy="4109760"/>
+            <a:ext cx="5481000" cy="4109400"/>
           </a:xfrm>
           <a:prstGeom prst="rect">
             <a:avLst/>
@@ -1587,7 +1587,7 @@
         <p:spPr>
           <a:xfrm>
             <a:off x="3884760" y="8685360"/>
-            <a:ext cx="2966760" cy="452160"/>
+            <a:ext cx="2966400" cy="451800"/>
           </a:xfrm>
           <a:prstGeom prst="rect">
             <a:avLst/>
@@ -1623,7 +1623,7 @@
               </a:lnSpc>
               <a:buNone/>
             </a:pPr>
-            <a:fld id="{08647015-C7F2-4AD1-BEBF-1B24B64DD5EA}" type="slidenum">
+            <a:fld id="{D324F6F2-C258-4072-B475-A1B3FEE6F353}" type="slidenum">
               <a:rPr b="0" lang="en-US" sz="1200" spc="-1" strike="noStrike">
                 <a:solidFill>
                   <a:srgbClr val="000000"/>
@@ -1674,7 +1674,7 @@
         <p:spPr>
           <a:xfrm>
             <a:off x="380880" y="685800"/>
-            <a:ext cx="6090840" cy="3423960"/>
+            <a:ext cx="6090480" cy="3423600"/>
           </a:xfrm>
           <a:prstGeom prst="rect">
             <a:avLst/>
@@ -1697,7 +1697,7 @@
         <p:spPr>
           <a:xfrm>
             <a:off x="685800" y="4343400"/>
-            <a:ext cx="5481360" cy="4109760"/>
+            <a:ext cx="5481000" cy="4109400"/>
           </a:xfrm>
           <a:prstGeom prst="rect">
             <a:avLst/>
@@ -1731,7 +1731,7 @@
         <p:spPr>
           <a:xfrm>
             <a:off x="3884760" y="8685360"/>
-            <a:ext cx="2966760" cy="452160"/>
+            <a:ext cx="2966400" cy="451800"/>
           </a:xfrm>
           <a:prstGeom prst="rect">
             <a:avLst/>
@@ -1767,7 +1767,7 @@
               </a:lnSpc>
               <a:buNone/>
             </a:pPr>
-            <a:fld id="{56C86120-8627-4C8E-A309-11B74BB50719}" type="slidenum">
+            <a:fld id="{4B6F4AAE-FA02-48B3-8D35-47747BAD9EC7}" type="slidenum">
               <a:rPr b="0" lang="en-US" sz="1200" spc="-1" strike="noStrike">
                 <a:solidFill>
                   <a:srgbClr val="000000"/>
@@ -1818,7 +1818,7 @@
         <p:spPr>
           <a:xfrm>
             <a:off x="380880" y="685800"/>
-            <a:ext cx="6090840" cy="3423960"/>
+            <a:ext cx="6090480" cy="3423600"/>
           </a:xfrm>
           <a:prstGeom prst="rect">
             <a:avLst/>
@@ -1841,7 +1841,7 @@
         <p:spPr>
           <a:xfrm>
             <a:off x="685800" y="4343400"/>
-            <a:ext cx="5481360" cy="4109760"/>
+            <a:ext cx="5481000" cy="4109400"/>
           </a:xfrm>
           <a:prstGeom prst="rect">
             <a:avLst/>
@@ -1875,7 +1875,7 @@
         <p:spPr>
           <a:xfrm>
             <a:off x="3884760" y="8685360"/>
-            <a:ext cx="2966760" cy="452160"/>
+            <a:ext cx="2966400" cy="451800"/>
           </a:xfrm>
           <a:prstGeom prst="rect">
             <a:avLst/>
@@ -1911,7 +1911,7 @@
               </a:lnSpc>
               <a:buNone/>
             </a:pPr>
-            <a:fld id="{3F97A566-E9B9-430C-AA6D-0914193DE5A7}" type="slidenum">
+            <a:fld id="{E84B0A43-DA04-4CF1-9E8B-A4E6E396281E}" type="slidenum">
               <a:rPr b="0" lang="en-US" sz="1200" spc="-1" strike="noStrike">
                 <a:solidFill>
                   <a:srgbClr val="000000"/>
@@ -1962,7 +1962,7 @@
         <p:spPr>
           <a:xfrm>
             <a:off x="380880" y="685800"/>
-            <a:ext cx="6090840" cy="3423960"/>
+            <a:ext cx="6090480" cy="3423600"/>
           </a:xfrm>
           <a:prstGeom prst="rect">
             <a:avLst/>
@@ -1985,7 +1985,7 @@
         <p:spPr>
           <a:xfrm>
             <a:off x="685800" y="4343400"/>
-            <a:ext cx="5481360" cy="4109760"/>
+            <a:ext cx="5481000" cy="4109400"/>
           </a:xfrm>
           <a:prstGeom prst="rect">
             <a:avLst/>
@@ -2019,7 +2019,7 @@
         <p:spPr>
           <a:xfrm>
             <a:off x="3884760" y="8685360"/>
-            <a:ext cx="2966760" cy="452160"/>
+            <a:ext cx="2966400" cy="451800"/>
           </a:xfrm>
           <a:prstGeom prst="rect">
             <a:avLst/>
@@ -2055,7 +2055,7 @@
               </a:lnSpc>
               <a:buNone/>
             </a:pPr>
-            <a:fld id="{C25D2E69-F0DB-42A1-ADA2-45B395E6A72E}" type="slidenum">
+            <a:fld id="{D818EFF0-01E6-4D30-BB2D-7F9F10CBAD81}" type="slidenum">
               <a:rPr b="0" lang="en-US" sz="1200" spc="-1" strike="noStrike">
                 <a:solidFill>
                   <a:srgbClr val="000000"/>
@@ -2106,7 +2106,7 @@
         <p:spPr>
           <a:xfrm>
             <a:off x="380880" y="685800"/>
-            <a:ext cx="6090840" cy="3423960"/>
+            <a:ext cx="6090480" cy="3423600"/>
           </a:xfrm>
           <a:prstGeom prst="rect">
             <a:avLst/>
@@ -2129,7 +2129,7 @@
         <p:spPr>
           <a:xfrm>
             <a:off x="685800" y="4343400"/>
-            <a:ext cx="5481360" cy="4109760"/>
+            <a:ext cx="5481000" cy="4109400"/>
           </a:xfrm>
           <a:prstGeom prst="rect">
             <a:avLst/>
@@ -2163,7 +2163,7 @@
         <p:spPr>
           <a:xfrm>
             <a:off x="3884760" y="8685360"/>
-            <a:ext cx="2966760" cy="452160"/>
+            <a:ext cx="2966400" cy="451800"/>
           </a:xfrm>
           <a:prstGeom prst="rect">
             <a:avLst/>
@@ -2199,7 +2199,7 @@
               </a:lnSpc>
               <a:buNone/>
             </a:pPr>
-            <a:fld id="{F5D0D10E-EE97-4643-B2A1-3C2F6B0FCC26}" type="slidenum">
+            <a:fld id="{F2D93258-7E9F-40B3-8C4A-9D6DB9E50AF8}" type="slidenum">
               <a:rPr b="0" lang="en-US" sz="1200" spc="-1" strike="noStrike">
                 <a:solidFill>
                   <a:srgbClr val="000000"/>
@@ -2250,7 +2250,7 @@
         <p:spPr>
           <a:xfrm>
             <a:off x="380880" y="685800"/>
-            <a:ext cx="6090840" cy="3423960"/>
+            <a:ext cx="6090480" cy="3423600"/>
           </a:xfrm>
           <a:prstGeom prst="rect">
             <a:avLst/>
@@ -2273,7 +2273,7 @@
         <p:spPr>
           <a:xfrm>
             <a:off x="685800" y="4343400"/>
-            <a:ext cx="5481360" cy="4109760"/>
+            <a:ext cx="5481000" cy="4109400"/>
           </a:xfrm>
           <a:prstGeom prst="rect">
             <a:avLst/>
@@ -2307,7 +2307,7 @@
         <p:spPr>
           <a:xfrm>
             <a:off x="3884760" y="8685360"/>
-            <a:ext cx="2966760" cy="452160"/>
+            <a:ext cx="2966400" cy="451800"/>
           </a:xfrm>
           <a:prstGeom prst="rect">
             <a:avLst/>
@@ -2343,7 +2343,7 @@
               </a:lnSpc>
               <a:buNone/>
             </a:pPr>
-            <a:fld id="{559CC9D7-B82A-4035-AEA5-DBE94D91FD39}" type="slidenum">
+            <a:fld id="{61352BCA-1197-4E3E-A2E9-180F6115B01B}" type="slidenum">
               <a:rPr b="0" lang="en-US" sz="1200" spc="-1" strike="noStrike">
                 <a:solidFill>
                   <a:srgbClr val="000000"/>
@@ -2394,7 +2394,7 @@
         <p:spPr>
           <a:xfrm>
             <a:off x="380880" y="685800"/>
-            <a:ext cx="6090840" cy="3423960"/>
+            <a:ext cx="6090480" cy="3423600"/>
           </a:xfrm>
           <a:prstGeom prst="rect">
             <a:avLst/>
@@ -2417,7 +2417,7 @@
         <p:spPr>
           <a:xfrm>
             <a:off x="685800" y="4343400"/>
-            <a:ext cx="5481360" cy="4109760"/>
+            <a:ext cx="5481000" cy="4109400"/>
           </a:xfrm>
           <a:prstGeom prst="rect">
             <a:avLst/>
@@ -2451,7 +2451,7 @@
         <p:spPr>
           <a:xfrm>
             <a:off x="3884760" y="8685360"/>
-            <a:ext cx="2966760" cy="452160"/>
+            <a:ext cx="2966400" cy="451800"/>
           </a:xfrm>
           <a:prstGeom prst="rect">
             <a:avLst/>
@@ -2487,7 +2487,7 @@
               </a:lnSpc>
               <a:buNone/>
             </a:pPr>
-            <a:fld id="{A03AB123-6234-4490-8F61-D2B58DB24E28}" type="slidenum">
+            <a:fld id="{2DA22D91-3624-4FFC-A6C8-4B8C2373E125}" type="slidenum">
               <a:rPr b="0" lang="en-US" sz="1200" spc="-1" strike="noStrike">
                 <a:solidFill>
                   <a:srgbClr val="000000"/>
@@ -2538,7 +2538,7 @@
         <p:spPr>
           <a:xfrm>
             <a:off x="380880" y="685800"/>
-            <a:ext cx="6090840" cy="3423960"/>
+            <a:ext cx="6090480" cy="3423600"/>
           </a:xfrm>
           <a:prstGeom prst="rect">
             <a:avLst/>
@@ -2561,7 +2561,7 @@
         <p:spPr>
           <a:xfrm>
             <a:off x="685800" y="4343400"/>
-            <a:ext cx="5481360" cy="4109760"/>
+            <a:ext cx="5481000" cy="4109400"/>
           </a:xfrm>
           <a:prstGeom prst="rect">
             <a:avLst/>
@@ -2595,7 +2595,7 @@
         <p:spPr>
           <a:xfrm>
             <a:off x="3884760" y="8685360"/>
-            <a:ext cx="2966760" cy="452160"/>
+            <a:ext cx="2966400" cy="451800"/>
           </a:xfrm>
           <a:prstGeom prst="rect">
             <a:avLst/>
@@ -2631,7 +2631,7 @@
               </a:lnSpc>
               <a:buNone/>
             </a:pPr>
-            <a:fld id="{A6D11642-5427-4685-A903-69AD687B0EA1}" type="slidenum">
+            <a:fld id="{1B427A45-A8C1-4D83-940B-86C7F167FBA1}" type="slidenum">
               <a:rPr b="0" lang="en-US" sz="1200" spc="-1" strike="noStrike">
                 <a:solidFill>
                   <a:srgbClr val="000000"/>
@@ -2682,7 +2682,7 @@
         <p:spPr>
           <a:xfrm>
             <a:off x="380880" y="685800"/>
-            <a:ext cx="6090840" cy="3423960"/>
+            <a:ext cx="6090480" cy="3423600"/>
           </a:xfrm>
           <a:prstGeom prst="rect">
             <a:avLst/>
@@ -2705,7 +2705,7 @@
         <p:spPr>
           <a:xfrm>
             <a:off x="685800" y="4343400"/>
-            <a:ext cx="5481360" cy="4109760"/>
+            <a:ext cx="5481000" cy="4109400"/>
           </a:xfrm>
           <a:prstGeom prst="rect">
             <a:avLst/>
@@ -2739,7 +2739,7 @@
         <p:spPr>
           <a:xfrm>
             <a:off x="3884760" y="8685360"/>
-            <a:ext cx="2966760" cy="452160"/>
+            <a:ext cx="2966400" cy="451800"/>
           </a:xfrm>
           <a:prstGeom prst="rect">
             <a:avLst/>
@@ -2775,7 +2775,7 @@
               </a:lnSpc>
               <a:buNone/>
             </a:pPr>
-            <a:fld id="{5789C3FC-CC0F-4016-95AC-F38112026B3F}" type="slidenum">
+            <a:fld id="{A595892A-DEF0-4E65-A83F-6200391B0C5A}" type="slidenum">
               <a:rPr b="0" lang="en-US" sz="1200" spc="-1" strike="noStrike">
                 <a:solidFill>
                   <a:srgbClr val="000000"/>
@@ -2826,7 +2826,7 @@
         <p:spPr>
           <a:xfrm>
             <a:off x="380880" y="685800"/>
-            <a:ext cx="6090840" cy="3423960"/>
+            <a:ext cx="6090480" cy="3423600"/>
           </a:xfrm>
           <a:prstGeom prst="rect">
             <a:avLst/>
@@ -2849,7 +2849,7 @@
         <p:spPr>
           <a:xfrm>
             <a:off x="685800" y="4343400"/>
-            <a:ext cx="5481360" cy="4109760"/>
+            <a:ext cx="5481000" cy="4109400"/>
           </a:xfrm>
           <a:prstGeom prst="rect">
             <a:avLst/>
@@ -2883,7 +2883,7 @@
         <p:spPr>
           <a:xfrm>
             <a:off x="3884760" y="8685360"/>
-            <a:ext cx="2966760" cy="452160"/>
+            <a:ext cx="2966400" cy="451800"/>
           </a:xfrm>
           <a:prstGeom prst="rect">
             <a:avLst/>
@@ -2919,7 +2919,7 @@
               </a:lnSpc>
               <a:buNone/>
             </a:pPr>
-            <a:fld id="{0AE0286E-7A9C-489D-9C67-C21D7D498920}" type="slidenum">
+            <a:fld id="{CCE308E6-5BC1-4116-B7E9-BA230AEC5E8F}" type="slidenum">
               <a:rPr b="0" lang="en-US" sz="1200" spc="-1" strike="noStrike">
                 <a:solidFill>
                   <a:srgbClr val="000000"/>
@@ -2970,7 +2970,7 @@
         <p:spPr>
           <a:xfrm>
             <a:off x="380880" y="685800"/>
-            <a:ext cx="6090840" cy="3423960"/>
+            <a:ext cx="6090480" cy="3423600"/>
           </a:xfrm>
           <a:prstGeom prst="rect">
             <a:avLst/>
@@ -2993,7 +2993,7 @@
         <p:spPr>
           <a:xfrm>
             <a:off x="685800" y="4343400"/>
-            <a:ext cx="5481360" cy="4109760"/>
+            <a:ext cx="5481000" cy="4109400"/>
           </a:xfrm>
           <a:prstGeom prst="rect">
             <a:avLst/>
@@ -3027,7 +3027,7 @@
         <p:spPr>
           <a:xfrm>
             <a:off x="3884760" y="8685360"/>
-            <a:ext cx="2966760" cy="452160"/>
+            <a:ext cx="2966400" cy="451800"/>
           </a:xfrm>
           <a:prstGeom prst="rect">
             <a:avLst/>
@@ -3063,7 +3063,7 @@
               </a:lnSpc>
               <a:buNone/>
             </a:pPr>
-            <a:fld id="{CF0C0A49-18B6-4047-B27D-4E1D9B79F2D9}" type="slidenum">
+            <a:fld id="{69B1B5AB-22AB-48BC-AD77-5B2407C02326}" type="slidenum">
               <a:rPr b="0" lang="en-US" sz="1200" spc="-1" strike="noStrike">
                 <a:solidFill>
                   <a:srgbClr val="000000"/>
@@ -3114,7 +3114,7 @@
         <p:spPr>
           <a:xfrm>
             <a:off x="380880" y="685800"/>
-            <a:ext cx="6090840" cy="3423960"/>
+            <a:ext cx="6090480" cy="3423600"/>
           </a:xfrm>
           <a:prstGeom prst="rect">
             <a:avLst/>
@@ -3137,7 +3137,7 @@
         <p:spPr>
           <a:xfrm>
             <a:off x="685800" y="4343400"/>
-            <a:ext cx="5481360" cy="4109760"/>
+            <a:ext cx="5481000" cy="4109400"/>
           </a:xfrm>
           <a:prstGeom prst="rect">
             <a:avLst/>
@@ -3171,7 +3171,7 @@
         <p:spPr>
           <a:xfrm>
             <a:off x="3884760" y="8685360"/>
-            <a:ext cx="2966760" cy="452160"/>
+            <a:ext cx="2966400" cy="451800"/>
           </a:xfrm>
           <a:prstGeom prst="rect">
             <a:avLst/>
@@ -3207,7 +3207,7 @@
               </a:lnSpc>
               <a:buNone/>
             </a:pPr>
-            <a:fld id="{FEE16F7F-6592-434F-BF82-3DC8CF0D53A3}" type="slidenum">
+            <a:fld id="{1DF8CCC9-76A9-405A-899D-C2FE005D9409}" type="slidenum">
               <a:rPr b="0" lang="en-US" sz="1200" spc="-1" strike="noStrike">
                 <a:solidFill>
                   <a:srgbClr val="000000"/>
@@ -3258,7 +3258,7 @@
         <p:spPr>
           <a:xfrm>
             <a:off x="380880" y="685800"/>
-            <a:ext cx="6090840" cy="3423960"/>
+            <a:ext cx="6090480" cy="3423600"/>
           </a:xfrm>
           <a:prstGeom prst="rect">
             <a:avLst/>
@@ -3281,7 +3281,7 @@
         <p:spPr>
           <a:xfrm>
             <a:off x="685800" y="4343400"/>
-            <a:ext cx="5481360" cy="4109760"/>
+            <a:ext cx="5481000" cy="4109400"/>
           </a:xfrm>
           <a:prstGeom prst="rect">
             <a:avLst/>
@@ -3315,7 +3315,7 @@
         <p:spPr>
           <a:xfrm>
             <a:off x="3884760" y="8685360"/>
-            <a:ext cx="2966760" cy="452160"/>
+            <a:ext cx="2966400" cy="451800"/>
           </a:xfrm>
           <a:prstGeom prst="rect">
             <a:avLst/>
@@ -3351,7 +3351,7 @@
               </a:lnSpc>
               <a:buNone/>
             </a:pPr>
-            <a:fld id="{E7BC5BDF-1EAE-4A6A-AADE-E76507F44E6E}" type="slidenum">
+            <a:fld id="{746313CA-231A-41C3-B4D8-05EDF3EA29CF}" type="slidenum">
               <a:rPr b="0" lang="en-US" sz="1200" spc="-1" strike="noStrike">
                 <a:solidFill>
                   <a:srgbClr val="000000"/>
@@ -3402,7 +3402,7 @@
         <p:spPr>
           <a:xfrm>
             <a:off x="380880" y="685800"/>
-            <a:ext cx="6090840" cy="3423960"/>
+            <a:ext cx="6090480" cy="3423600"/>
           </a:xfrm>
           <a:prstGeom prst="rect">
             <a:avLst/>
@@ -3425,7 +3425,7 @@
         <p:spPr>
           <a:xfrm>
             <a:off x="685800" y="4343400"/>
-            <a:ext cx="5481360" cy="4109760"/>
+            <a:ext cx="5481000" cy="4109400"/>
           </a:xfrm>
           <a:prstGeom prst="rect">
             <a:avLst/>
@@ -3459,7 +3459,7 @@
         <p:spPr>
           <a:xfrm>
             <a:off x="3884760" y="8685360"/>
-            <a:ext cx="2966760" cy="452160"/>
+            <a:ext cx="2966400" cy="451800"/>
           </a:xfrm>
           <a:prstGeom prst="rect">
             <a:avLst/>
@@ -3495,7 +3495,7 @@
               </a:lnSpc>
               <a:buNone/>
             </a:pPr>
-            <a:fld id="{DBE11CAB-CA9F-4E17-9A7C-1987045C99C5}" type="slidenum">
+            <a:fld id="{DA8E5353-D42C-455F-920B-DEFC8E10DAB0}" type="slidenum">
               <a:rPr b="0" lang="en-US" sz="1200" spc="-1" strike="noStrike">
                 <a:solidFill>
                   <a:srgbClr val="000000"/>
@@ -3546,7 +3546,7 @@
         <p:spPr>
           <a:xfrm>
             <a:off x="380880" y="685800"/>
-            <a:ext cx="6090840" cy="3423960"/>
+            <a:ext cx="6090480" cy="3423600"/>
           </a:xfrm>
           <a:prstGeom prst="rect">
             <a:avLst/>
@@ -3569,7 +3569,7 @@
         <p:spPr>
           <a:xfrm>
             <a:off x="685800" y="4343400"/>
-            <a:ext cx="5481360" cy="4109760"/>
+            <a:ext cx="5481000" cy="4109400"/>
           </a:xfrm>
           <a:prstGeom prst="rect">
             <a:avLst/>
@@ -3603,7 +3603,7 @@
         <p:spPr>
           <a:xfrm>
             <a:off x="3884760" y="8685360"/>
-            <a:ext cx="2966760" cy="452160"/>
+            <a:ext cx="2966400" cy="451800"/>
           </a:xfrm>
           <a:prstGeom prst="rect">
             <a:avLst/>
@@ -3639,7 +3639,7 @@
               </a:lnSpc>
               <a:buNone/>
             </a:pPr>
-            <a:fld id="{F6105D78-1B52-439F-9700-00447CCBFAB6}" type="slidenum">
+            <a:fld id="{2BDAE364-DDF7-494C-AAB0-10542E8EECA8}" type="slidenum">
               <a:rPr b="0" lang="en-US" sz="1200" spc="-1" strike="noStrike">
                 <a:solidFill>
                   <a:srgbClr val="000000"/>
@@ -3690,7 +3690,7 @@
         <p:spPr>
           <a:xfrm>
             <a:off x="380880" y="685800"/>
-            <a:ext cx="6090840" cy="3423960"/>
+            <a:ext cx="6090480" cy="3423600"/>
           </a:xfrm>
           <a:prstGeom prst="rect">
             <a:avLst/>
@@ -3713,7 +3713,7 @@
         <p:spPr>
           <a:xfrm>
             <a:off x="685800" y="4343400"/>
-            <a:ext cx="5481360" cy="4109760"/>
+            <a:ext cx="5481000" cy="4109400"/>
           </a:xfrm>
           <a:prstGeom prst="rect">
             <a:avLst/>
@@ -3747,7 +3747,7 @@
         <p:spPr>
           <a:xfrm>
             <a:off x="3884760" y="8685360"/>
-            <a:ext cx="2966760" cy="452160"/>
+            <a:ext cx="2966400" cy="451800"/>
           </a:xfrm>
           <a:prstGeom prst="rect">
             <a:avLst/>
@@ -3783,7 +3783,7 @@
               </a:lnSpc>
               <a:buNone/>
             </a:pPr>
-            <a:fld id="{0300FB2D-F910-465E-BBA3-BC369AC04E5C}" type="slidenum">
+            <a:fld id="{1867D177-59CF-4043-8E25-AD594FFE5ED2}" type="slidenum">
               <a:rPr b="0" lang="en-US" sz="1200" spc="-1" strike="noStrike">
                 <a:solidFill>
                   <a:srgbClr val="000000"/>
@@ -3834,7 +3834,7 @@
         <p:spPr>
           <a:xfrm>
             <a:off x="380880" y="685800"/>
-            <a:ext cx="6090840" cy="3423960"/>
+            <a:ext cx="6090480" cy="3423600"/>
           </a:xfrm>
           <a:prstGeom prst="rect">
             <a:avLst/>
@@ -3857,7 +3857,7 @@
         <p:spPr>
           <a:xfrm>
             <a:off x="685800" y="4343400"/>
-            <a:ext cx="5481360" cy="4109760"/>
+            <a:ext cx="5481000" cy="4109400"/>
           </a:xfrm>
           <a:prstGeom prst="rect">
             <a:avLst/>
@@ -3891,7 +3891,7 @@
         <p:spPr>
           <a:xfrm>
             <a:off x="3884760" y="8685360"/>
-            <a:ext cx="2966760" cy="452160"/>
+            <a:ext cx="2966400" cy="451800"/>
           </a:xfrm>
           <a:prstGeom prst="rect">
             <a:avLst/>
@@ -3927,7 +3927,7 @@
               </a:lnSpc>
               <a:buNone/>
             </a:pPr>
-            <a:fld id="{FE97BDB4-5B44-4CB8-BC81-F5728094E536}" type="slidenum">
+            <a:fld id="{D17DD3C2-0AC1-43AD-861F-080020E5F92A}" type="slidenum">
               <a:rPr b="0" lang="en-US" sz="1200" spc="-1" strike="noStrike">
                 <a:solidFill>
                   <a:srgbClr val="000000"/>
@@ -3978,7 +3978,7 @@
         <p:spPr>
           <a:xfrm>
             <a:off x="380880" y="685800"/>
-            <a:ext cx="6090840" cy="3423960"/>
+            <a:ext cx="6090480" cy="3423600"/>
           </a:xfrm>
           <a:prstGeom prst="rect">
             <a:avLst/>
@@ -4001,7 +4001,7 @@
         <p:spPr>
           <a:xfrm>
             <a:off x="685800" y="4343400"/>
-            <a:ext cx="5481360" cy="4109760"/>
+            <a:ext cx="5481000" cy="4109400"/>
           </a:xfrm>
           <a:prstGeom prst="rect">
             <a:avLst/>
@@ -4035,7 +4035,7 @@
         <p:spPr>
           <a:xfrm>
             <a:off x="3884760" y="8685360"/>
-            <a:ext cx="2966760" cy="452160"/>
+            <a:ext cx="2966400" cy="451800"/>
           </a:xfrm>
           <a:prstGeom prst="rect">
             <a:avLst/>
@@ -4071,7 +4071,7 @@
               </a:lnSpc>
               <a:buNone/>
             </a:pPr>
-            <a:fld id="{F3F30163-20BE-4E07-AB38-D9A0A8C70FFF}" type="slidenum">
+            <a:fld id="{76C2D451-F51C-4E78-97E1-15A04C681B62}" type="slidenum">
               <a:rPr b="0" lang="en-US" sz="1200" spc="-1" strike="noStrike">
                 <a:solidFill>
                   <a:srgbClr val="000000"/>
@@ -4122,7 +4122,7 @@
         <p:spPr>
           <a:xfrm>
             <a:off x="380880" y="685800"/>
-            <a:ext cx="6090840" cy="3423960"/>
+            <a:ext cx="6090480" cy="3423600"/>
           </a:xfrm>
           <a:prstGeom prst="rect">
             <a:avLst/>
@@ -4145,7 +4145,7 @@
         <p:spPr>
           <a:xfrm>
             <a:off x="685800" y="4343400"/>
-            <a:ext cx="5481360" cy="4109760"/>
+            <a:ext cx="5481000" cy="4109400"/>
           </a:xfrm>
           <a:prstGeom prst="rect">
             <a:avLst/>
@@ -4179,7 +4179,7 @@
         <p:spPr>
           <a:xfrm>
             <a:off x="3884760" y="8685360"/>
-            <a:ext cx="2966760" cy="452160"/>
+            <a:ext cx="2966400" cy="451800"/>
           </a:xfrm>
           <a:prstGeom prst="rect">
             <a:avLst/>
@@ -4215,7 +4215,7 @@
               </a:lnSpc>
               <a:buNone/>
             </a:pPr>
-            <a:fld id="{DA133756-FD5F-426F-8A2C-F33377F9D1DB}" type="slidenum">
+            <a:fld id="{DCB0C451-9896-4E8C-AF81-EEBB5C324BDE}" type="slidenum">
               <a:rPr b="0" lang="en-US" sz="1200" spc="-1" strike="noStrike">
                 <a:solidFill>
                   <a:srgbClr val="000000"/>
@@ -4266,7 +4266,7 @@
         <p:spPr>
           <a:xfrm>
             <a:off x="380880" y="685800"/>
-            <a:ext cx="6090840" cy="3423960"/>
+            <a:ext cx="6090480" cy="3423600"/>
           </a:xfrm>
           <a:prstGeom prst="rect">
             <a:avLst/>
@@ -4289,7 +4289,7 @@
         <p:spPr>
           <a:xfrm>
             <a:off x="685800" y="4343400"/>
-            <a:ext cx="5481360" cy="4109760"/>
+            <a:ext cx="5481000" cy="4109400"/>
           </a:xfrm>
           <a:prstGeom prst="rect">
             <a:avLst/>
@@ -4323,7 +4323,7 @@
         <p:spPr>
           <a:xfrm>
             <a:off x="3884760" y="8685360"/>
-            <a:ext cx="2966760" cy="452160"/>
+            <a:ext cx="2966400" cy="451800"/>
           </a:xfrm>
           <a:prstGeom prst="rect">
             <a:avLst/>
@@ -4359,7 +4359,7 @@
               </a:lnSpc>
               <a:buNone/>
             </a:pPr>
-            <a:fld id="{E5603177-A03D-4D32-8787-D8CE200A6FA7}" type="slidenum">
+            <a:fld id="{78F403A5-0283-402A-A580-F859B7E17142}" type="slidenum">
               <a:rPr b="0" lang="en-US" sz="1200" spc="-1" strike="noStrike">
                 <a:solidFill>
                   <a:srgbClr val="000000"/>
@@ -4410,7 +4410,7 @@
         <p:spPr>
           <a:xfrm>
             <a:off x="380880" y="685800"/>
-            <a:ext cx="6090840" cy="3423960"/>
+            <a:ext cx="6090480" cy="3423600"/>
           </a:xfrm>
           <a:prstGeom prst="rect">
             <a:avLst/>
@@ -4433,7 +4433,7 @@
         <p:spPr>
           <a:xfrm>
             <a:off x="685800" y="4343400"/>
-            <a:ext cx="5481360" cy="4109760"/>
+            <a:ext cx="5481000" cy="4109400"/>
           </a:xfrm>
           <a:prstGeom prst="rect">
             <a:avLst/>
@@ -4467,7 +4467,7 @@
         <p:spPr>
           <a:xfrm>
             <a:off x="3884760" y="8685360"/>
-            <a:ext cx="2966760" cy="452160"/>
+            <a:ext cx="2966400" cy="451800"/>
           </a:xfrm>
           <a:prstGeom prst="rect">
             <a:avLst/>
@@ -4503,7 +4503,7 @@
               </a:lnSpc>
               <a:buNone/>
             </a:pPr>
-            <a:fld id="{2D93B7BA-2182-4E45-B9DB-0C64790EEA66}" type="slidenum">
+            <a:fld id="{BDD8B467-278B-4351-93FD-8A4C0F5026E4}" type="slidenum">
               <a:rPr b="0" lang="en-US" sz="1200" spc="-1" strike="noStrike">
                 <a:solidFill>
                   <a:srgbClr val="000000"/>
@@ -4554,7 +4554,7 @@
         <p:spPr>
           <a:xfrm>
             <a:off x="380880" y="685800"/>
-            <a:ext cx="6090840" cy="3423960"/>
+            <a:ext cx="6090480" cy="3423600"/>
           </a:xfrm>
           <a:prstGeom prst="rect">
             <a:avLst/>
@@ -4577,7 +4577,7 @@
         <p:spPr>
           <a:xfrm>
             <a:off x="685800" y="4343400"/>
-            <a:ext cx="5481360" cy="4109760"/>
+            <a:ext cx="5481000" cy="4109400"/>
           </a:xfrm>
           <a:prstGeom prst="rect">
             <a:avLst/>
@@ -4611,7 +4611,7 @@
         <p:spPr>
           <a:xfrm>
             <a:off x="3884760" y="8685360"/>
-            <a:ext cx="2966760" cy="452160"/>
+            <a:ext cx="2966400" cy="451800"/>
           </a:xfrm>
           <a:prstGeom prst="rect">
             <a:avLst/>
@@ -4647,7 +4647,7 @@
               </a:lnSpc>
               <a:buNone/>
             </a:pPr>
-            <a:fld id="{A3C60679-DF20-4789-AF12-A2FA66822201}" type="slidenum">
+            <a:fld id="{C501CB25-C1DC-403F-BB05-EB7B3DE307E6}" type="slidenum">
               <a:rPr b="0" lang="en-US" sz="1200" spc="-1" strike="noStrike">
                 <a:solidFill>
                   <a:srgbClr val="000000"/>
@@ -4698,7 +4698,7 @@
         <p:spPr>
           <a:xfrm>
             <a:off x="380880" y="685800"/>
-            <a:ext cx="6090840" cy="3423960"/>
+            <a:ext cx="6090480" cy="3423600"/>
           </a:xfrm>
           <a:prstGeom prst="rect">
             <a:avLst/>
@@ -4721,7 +4721,7 @@
         <p:spPr>
           <a:xfrm>
             <a:off x="685800" y="4343400"/>
-            <a:ext cx="5481360" cy="4109760"/>
+            <a:ext cx="5481000" cy="4109400"/>
           </a:xfrm>
           <a:prstGeom prst="rect">
             <a:avLst/>
@@ -4755,7 +4755,7 @@
         <p:spPr>
           <a:xfrm>
             <a:off x="3884760" y="8685360"/>
-            <a:ext cx="2966760" cy="452160"/>
+            <a:ext cx="2966400" cy="451800"/>
           </a:xfrm>
           <a:prstGeom prst="rect">
             <a:avLst/>
@@ -4791,7 +4791,7 @@
               </a:lnSpc>
               <a:buNone/>
             </a:pPr>
-            <a:fld id="{F4B82641-3661-4F4A-9822-F65AC27F8215}" type="slidenum">
+            <a:fld id="{E9A977DB-2DE3-47A5-803E-7D14CC513812}" type="slidenum">
               <a:rPr b="0" lang="en-US" sz="1200" spc="-1" strike="noStrike">
                 <a:solidFill>
                   <a:srgbClr val="000000"/>
@@ -4842,7 +4842,7 @@
         <p:spPr>
           <a:xfrm>
             <a:off x="380880" y="685800"/>
-            <a:ext cx="6090840" cy="3423960"/>
+            <a:ext cx="6090480" cy="3423600"/>
           </a:xfrm>
           <a:prstGeom prst="rect">
             <a:avLst/>
@@ -4865,7 +4865,7 @@
         <p:spPr>
           <a:xfrm>
             <a:off x="685800" y="4343400"/>
-            <a:ext cx="5481360" cy="4109760"/>
+            <a:ext cx="5481000" cy="4109400"/>
           </a:xfrm>
           <a:prstGeom prst="rect">
             <a:avLst/>
@@ -4899,7 +4899,7 @@
         <p:spPr>
           <a:xfrm>
             <a:off x="3884760" y="8685360"/>
-            <a:ext cx="2966760" cy="452160"/>
+            <a:ext cx="2966400" cy="451800"/>
           </a:xfrm>
           <a:prstGeom prst="rect">
             <a:avLst/>
@@ -4935,7 +4935,7 @@
               </a:lnSpc>
               <a:buNone/>
             </a:pPr>
-            <a:fld id="{690687DD-5F92-404C-BD52-FACD249A681F}" type="slidenum">
+            <a:fld id="{0F7124F1-01D3-432E-A838-62995B15AEB2}" type="slidenum">
               <a:rPr b="0" lang="en-US" sz="1200" spc="-1" strike="noStrike">
                 <a:solidFill>
                   <a:srgbClr val="000000"/>
@@ -4986,7 +4986,7 @@
         <p:spPr>
           <a:xfrm>
             <a:off x="380880" y="685800"/>
-            <a:ext cx="6090840" cy="3423960"/>
+            <a:ext cx="6090480" cy="3423600"/>
           </a:xfrm>
           <a:prstGeom prst="rect">
             <a:avLst/>
@@ -5009,7 +5009,7 @@
         <p:spPr>
           <a:xfrm>
             <a:off x="685800" y="4343400"/>
-            <a:ext cx="5481360" cy="4109760"/>
+            <a:ext cx="5481000" cy="4109400"/>
           </a:xfrm>
           <a:prstGeom prst="rect">
             <a:avLst/>
@@ -5043,7 +5043,7 @@
         <p:spPr>
           <a:xfrm>
             <a:off x="3884760" y="8685360"/>
-            <a:ext cx="2966760" cy="452160"/>
+            <a:ext cx="2966400" cy="451800"/>
           </a:xfrm>
           <a:prstGeom prst="rect">
             <a:avLst/>
@@ -5079,7 +5079,7 @@
               </a:lnSpc>
               <a:buNone/>
             </a:pPr>
-            <a:fld id="{FFDBACD6-60EC-4DD3-847A-A17BCA206AFE}" type="slidenum">
+            <a:fld id="{1C6EB3E9-121E-4E57-AA25-CDA0CDFC2CF9}" type="slidenum">
               <a:rPr b="0" lang="en-US" sz="1200" spc="-1" strike="noStrike">
                 <a:solidFill>
                   <a:srgbClr val="000000"/>
@@ -5130,7 +5130,7 @@
         <p:spPr>
           <a:xfrm>
             <a:off x="380880" y="685800"/>
-            <a:ext cx="6090840" cy="3423960"/>
+            <a:ext cx="6090480" cy="3423600"/>
           </a:xfrm>
           <a:prstGeom prst="rect">
             <a:avLst/>
@@ -5153,7 +5153,7 @@
         <p:spPr>
           <a:xfrm>
             <a:off x="685800" y="4343400"/>
-            <a:ext cx="5481360" cy="4109760"/>
+            <a:ext cx="5481000" cy="4109400"/>
           </a:xfrm>
           <a:prstGeom prst="rect">
             <a:avLst/>
@@ -5187,7 +5187,7 @@
         <p:spPr>
           <a:xfrm>
             <a:off x="3884760" y="8685360"/>
-            <a:ext cx="2966760" cy="452160"/>
+            <a:ext cx="2966400" cy="451800"/>
           </a:xfrm>
           <a:prstGeom prst="rect">
             <a:avLst/>
@@ -5223,7 +5223,7 @@
               </a:lnSpc>
               <a:buNone/>
             </a:pPr>
-            <a:fld id="{25195E4C-4C81-45AB-A978-A7D028E4A5A2}" type="slidenum">
+            <a:fld id="{259CB6CF-1EFA-48AF-B68C-E82B99440EDA}" type="slidenum">
               <a:rPr b="0" lang="en-US" sz="1200" spc="-1" strike="noStrike">
                 <a:solidFill>
                   <a:srgbClr val="000000"/>
@@ -5274,7 +5274,7 @@
         <p:spPr>
           <a:xfrm>
             <a:off x="380880" y="685800"/>
-            <a:ext cx="6090840" cy="3423960"/>
+            <a:ext cx="6090480" cy="3423600"/>
           </a:xfrm>
           <a:prstGeom prst="rect">
             <a:avLst/>
@@ -5297,7 +5297,7 @@
         <p:spPr>
           <a:xfrm>
             <a:off x="685800" y="4343400"/>
-            <a:ext cx="5481360" cy="4109760"/>
+            <a:ext cx="5481000" cy="4109400"/>
           </a:xfrm>
           <a:prstGeom prst="rect">
             <a:avLst/>
@@ -5331,7 +5331,7 @@
         <p:spPr>
           <a:xfrm>
             <a:off x="3884760" y="8685360"/>
-            <a:ext cx="2966760" cy="452160"/>
+            <a:ext cx="2966400" cy="451800"/>
           </a:xfrm>
           <a:prstGeom prst="rect">
             <a:avLst/>
@@ -5367,7 +5367,7 @@
               </a:lnSpc>
               <a:buNone/>
             </a:pPr>
-            <a:fld id="{CF7FCA59-2308-4AB1-BA70-FD8C91C543E5}" type="slidenum">
+            <a:fld id="{52CA940A-C7B6-4E9D-9916-0D129E3982DC}" type="slidenum">
               <a:rPr b="0" lang="en-US" sz="1200" spc="-1" strike="noStrike">
                 <a:solidFill>
                   <a:srgbClr val="000000"/>
@@ -5418,7 +5418,7 @@
         <p:spPr>
           <a:xfrm>
             <a:off x="380880" y="685800"/>
-            <a:ext cx="6090840" cy="3423960"/>
+            <a:ext cx="6090480" cy="3423600"/>
           </a:xfrm>
           <a:prstGeom prst="rect">
             <a:avLst/>
@@ -5441,7 +5441,7 @@
         <p:spPr>
           <a:xfrm>
             <a:off x="685800" y="4343400"/>
-            <a:ext cx="5481360" cy="4109760"/>
+            <a:ext cx="5481000" cy="4109400"/>
           </a:xfrm>
           <a:prstGeom prst="rect">
             <a:avLst/>
@@ -5475,7 +5475,7 @@
         <p:spPr>
           <a:xfrm>
             <a:off x="3884760" y="8685360"/>
-            <a:ext cx="2966760" cy="452160"/>
+            <a:ext cx="2966400" cy="451800"/>
           </a:xfrm>
           <a:prstGeom prst="rect">
             <a:avLst/>
@@ -5511,7 +5511,7 @@
               </a:lnSpc>
               <a:buNone/>
             </a:pPr>
-            <a:fld id="{68D70C58-D169-48A8-B320-205F32381083}" type="slidenum">
+            <a:fld id="{A6FDEB3F-3D8F-40DC-8DA4-7D756685274F}" type="slidenum">
               <a:rPr b="0" lang="en-US" sz="1200" spc="-1" strike="noStrike">
                 <a:solidFill>
                   <a:srgbClr val="000000"/>
@@ -5562,7 +5562,7 @@
         <p:spPr>
           <a:xfrm>
             <a:off x="380880" y="685800"/>
-            <a:ext cx="6090840" cy="3423960"/>
+            <a:ext cx="6090480" cy="3423600"/>
           </a:xfrm>
           <a:prstGeom prst="rect">
             <a:avLst/>
@@ -5585,7 +5585,7 @@
         <p:spPr>
           <a:xfrm>
             <a:off x="685800" y="4343400"/>
-            <a:ext cx="5481360" cy="4109760"/>
+            <a:ext cx="5481000" cy="4109400"/>
           </a:xfrm>
           <a:prstGeom prst="rect">
             <a:avLst/>
@@ -5619,7 +5619,7 @@
         <p:spPr>
           <a:xfrm>
             <a:off x="3884760" y="8685360"/>
-            <a:ext cx="2966760" cy="452160"/>
+            <a:ext cx="2966400" cy="451800"/>
           </a:xfrm>
           <a:prstGeom prst="rect">
             <a:avLst/>
@@ -5655,7 +5655,7 @@
               </a:lnSpc>
               <a:buNone/>
             </a:pPr>
-            <a:fld id="{51FFA7E2-9573-4A3D-8809-1E1BFBB8DC11}" type="slidenum">
+            <a:fld id="{CF4F352E-4907-4A5B-BFB4-0FE6119B44C3}" type="slidenum">
               <a:rPr b="0" lang="en-US" sz="1200" spc="-1" strike="noStrike">
                 <a:solidFill>
                   <a:srgbClr val="000000"/>
@@ -5706,7 +5706,7 @@
         <p:spPr>
           <a:xfrm>
             <a:off x="380880" y="685800"/>
-            <a:ext cx="6090840" cy="3423960"/>
+            <a:ext cx="6090480" cy="3423600"/>
           </a:xfrm>
           <a:prstGeom prst="rect">
             <a:avLst/>
@@ -5729,7 +5729,7 @@
         <p:spPr>
           <a:xfrm>
             <a:off x="685800" y="4343400"/>
-            <a:ext cx="5481360" cy="4109760"/>
+            <a:ext cx="5481000" cy="4109400"/>
           </a:xfrm>
           <a:prstGeom prst="rect">
             <a:avLst/>
@@ -5763,7 +5763,7 @@
         <p:spPr>
           <a:xfrm>
             <a:off x="3884760" y="8685360"/>
-            <a:ext cx="2966760" cy="452160"/>
+            <a:ext cx="2966400" cy="451800"/>
           </a:xfrm>
           <a:prstGeom prst="rect">
             <a:avLst/>
@@ -5799,7 +5799,7 @@
               </a:lnSpc>
               <a:buNone/>
             </a:pPr>
-            <a:fld id="{7342F1F6-8780-472E-93CD-88F036764FA0}" type="slidenum">
+            <a:fld id="{F55ED2FD-5F48-4115-89E8-98773D62EE70}" type="slidenum">
               <a:rPr b="0" lang="en-US" sz="1200" spc="-1" strike="noStrike">
                 <a:solidFill>
                   <a:srgbClr val="000000"/>
@@ -5850,7 +5850,7 @@
         <p:spPr>
           <a:xfrm>
             <a:off x="380880" y="685800"/>
-            <a:ext cx="6090840" cy="3423960"/>
+            <a:ext cx="6090480" cy="3423600"/>
           </a:xfrm>
           <a:prstGeom prst="rect">
             <a:avLst/>
@@ -5873,7 +5873,7 @@
         <p:spPr>
           <a:xfrm>
             <a:off x="685800" y="4343400"/>
-            <a:ext cx="5481360" cy="4109760"/>
+            <a:ext cx="5481000" cy="4109400"/>
           </a:xfrm>
           <a:prstGeom prst="rect">
             <a:avLst/>
@@ -5907,7 +5907,7 @@
         <p:spPr>
           <a:xfrm>
             <a:off x="3884760" y="8685360"/>
-            <a:ext cx="2966760" cy="452160"/>
+            <a:ext cx="2966400" cy="451800"/>
           </a:xfrm>
           <a:prstGeom prst="rect">
             <a:avLst/>
@@ -5943,7 +5943,7 @@
               </a:lnSpc>
               <a:buNone/>
             </a:pPr>
-            <a:fld id="{F635AFD3-DFFA-43BF-9BBB-C6AC182396AD}" type="slidenum">
+            <a:fld id="{7803DB63-7360-4D7B-8BF0-8EC610412F9C}" type="slidenum">
               <a:rPr b="0" lang="en-US" sz="1200" spc="-1" strike="noStrike">
                 <a:solidFill>
                   <a:srgbClr val="000000"/>
@@ -6015,7 +6015,7 @@
         <p:txBody>
           <a:bodyPr/>
           <a:p>
-            <a:fld id="{421C4524-6067-4E96-ABC5-927866B932BA}" type="slidenum">
+            <a:fld id="{27DB0859-8854-449C-A1FF-108DC4E167D3}" type="slidenum">
               <a:t>&lt;#&gt;</a:t>
             </a:fld>
           </a:p>
@@ -6203,7 +6203,7 @@
         <p:txBody>
           <a:bodyPr/>
           <a:p>
-            <a:fld id="{825C25E5-854D-41E0-B1C1-11850A1AE9DC}" type="slidenum">
+            <a:fld id="{4C9A02AE-799B-48D7-9C6F-0B4BBB83812A}" type="slidenum">
               <a:t>&lt;#&gt;</a:t>
             </a:fld>
           </a:p>
@@ -6459,7 +6459,7 @@
         <p:txBody>
           <a:bodyPr/>
           <a:p>
-            <a:fld id="{622684B6-3C25-40A3-80B6-00901AB84A85}" type="slidenum">
+            <a:fld id="{A9A0ECC1-0363-4244-A5BF-A97FCC007B82}" type="slidenum">
               <a:t>&lt;#&gt;</a:t>
             </a:fld>
           </a:p>
@@ -6783,7 +6783,7 @@
         <p:txBody>
           <a:bodyPr/>
           <a:p>
-            <a:fld id="{02342F93-FB55-4E39-88A2-7E11A352F0C7}" type="slidenum">
+            <a:fld id="{04B4425F-E837-4387-9C62-704FDB621BDA}" type="slidenum">
               <a:t>&lt;#&gt;</a:t>
             </a:fld>
           </a:p>
@@ -6940,7 +6940,7 @@
         <p:txBody>
           <a:bodyPr/>
           <a:p>
-            <a:fld id="{5D776EBA-800B-44F5-94EA-63B5D4D52D39}" type="slidenum">
+            <a:fld id="{8FB12317-9029-48A6-8772-03A3B6738238}" type="slidenum">
               <a:t>&lt;#&gt;</a:t>
             </a:fld>
           </a:p>
@@ -7094,7 +7094,7 @@
         <p:txBody>
           <a:bodyPr/>
           <a:p>
-            <a:fld id="{B5B3FB3E-BE07-4A15-BA13-4DB6F07FDCD9}" type="slidenum">
+            <a:fld id="{85641567-08D9-4BB9-B969-1C58EE8CDE24}" type="slidenum">
               <a:t>&lt;#&gt;</a:t>
             </a:fld>
           </a:p>
@@ -7282,7 +7282,7 @@
         <p:txBody>
           <a:bodyPr/>
           <a:p>
-            <a:fld id="{1E55D321-C660-4348-9938-D5106EA9DFA0}" type="slidenum">
+            <a:fld id="{0B18C817-B8F7-4DE3-99E7-E97CACCADDDB}" type="slidenum">
               <a:t>&lt;#&gt;</a:t>
             </a:fld>
           </a:p>
@@ -7402,7 +7402,7 @@
         <p:txBody>
           <a:bodyPr/>
           <a:p>
-            <a:fld id="{EB469C32-ED6F-4169-BB8B-5F62BDAAA5C4}" type="slidenum">
+            <a:fld id="{C925F47C-F08C-4909-87BA-C249360AA603}" type="slidenum">
               <a:t>&lt;#&gt;</a:t>
             </a:fld>
           </a:p>
@@ -7522,7 +7522,7 @@
         <p:txBody>
           <a:bodyPr/>
           <a:p>
-            <a:fld id="{F038E3CA-5240-4402-A2D5-79834F9547E6}" type="slidenum">
+            <a:fld id="{2BC6D691-BB67-4C7D-817E-CB5325A2965B}" type="slidenum">
               <a:t>&lt;#&gt;</a:t>
             </a:fld>
           </a:p>
@@ -7744,7 +7744,7 @@
         <p:txBody>
           <a:bodyPr/>
           <a:p>
-            <a:fld id="{6979764E-BEDD-4878-B615-8B7E3F4413B1}" type="slidenum">
+            <a:fld id="{A9B1BB7B-BC08-4FFC-A883-6B549BDA78FD}" type="slidenum">
               <a:t>&lt;#&gt;</a:t>
             </a:fld>
           </a:p>
@@ -7966,7 +7966,7 @@
         <p:txBody>
           <a:bodyPr/>
           <a:p>
-            <a:fld id="{D74EF90A-60EE-42FC-AAF0-E3CEF36FBED6}" type="slidenum">
+            <a:fld id="{EE3873A0-CD21-46E6-B8F5-AD05EA993026}" type="slidenum">
               <a:t>&lt;#&gt;</a:t>
             </a:fld>
           </a:p>
@@ -8188,7 +8188,7 @@
         <p:txBody>
           <a:bodyPr/>
           <a:p>
-            <a:fld id="{95A3DDC7-9CE0-42A4-8CB2-D1E0D259258B}" type="slidenum">
+            <a:fld id="{34FAFBA6-F91B-4622-9D2A-1A9D712AC7B4}" type="slidenum">
               <a:t>&lt;#&gt;</a:t>
             </a:fld>
           </a:p>
@@ -8257,7 +8257,7 @@
         <p:spPr>
           <a:xfrm>
             <a:off x="3028680" y="4771440"/>
-            <a:ext cx="3081600" cy="269640"/>
+            <a:ext cx="3081240" cy="269280"/>
           </a:xfrm>
           <a:prstGeom prst="rect">
             <a:avLst/>
@@ -8301,7 +8301,7 @@
                 <a:latin typeface="Times New Roman"/>
                 <a:ea typeface="DejaVu Sans"/>
               </a:rPr>
-              <a:t> </a:t>
+              <a:t>&lt;footer&gt;</a:t>
             </a:r>
             <a:endParaRPr b="0" lang="en-US" sz="1400" spc="-1" strike="noStrike">
               <a:latin typeface="Times New Roman"/>
@@ -8322,7 +8322,7 @@
         <p:spPr>
           <a:xfrm>
             <a:off x="6457680" y="4771440"/>
-            <a:ext cx="2053080" cy="269640"/>
+            <a:ext cx="2052720" cy="269280"/>
           </a:xfrm>
           <a:prstGeom prst="rect">
             <a:avLst/>
@@ -8358,7 +8358,7 @@
               </a:lnSpc>
               <a:buNone/>
             </a:pPr>
-            <a:fld id="{7FCA937C-EE31-484B-8AE0-BE39F687F2E8}" type="slidenum">
+            <a:fld id="{00EAB13B-E335-4AFC-BA4C-46F3A50E1F77}" type="slidenum">
               <a:rPr b="0" lang="en-US" sz="1200" spc="-1" strike="noStrike">
                 <a:solidFill>
                   <a:srgbClr val="8b8b8b"/>
@@ -8366,7 +8366,7 @@
                 <a:latin typeface="Calibri"/>
                 <a:ea typeface="DejaVu Sans"/>
               </a:rPr>
-              <a:t>38</a:t>
+              <a:t>&lt;number&gt;</a:t>
             </a:fld>
             <a:endParaRPr b="0" lang="en-US" sz="1200" spc="-1" strike="noStrike">
               <a:latin typeface="Times New Roman"/>
@@ -8387,7 +8387,7 @@
         <p:spPr>
           <a:xfrm>
             <a:off x="628200" y="4771440"/>
-            <a:ext cx="2053080" cy="269640"/>
+            <a:ext cx="2052720" cy="269280"/>
           </a:xfrm>
           <a:prstGeom prst="rect">
             <a:avLst/>
@@ -8413,7 +8413,7 @@
               <a:rPr b="0" lang="en-US" sz="1400" spc="-1" strike="noStrike">
                 <a:latin typeface="Times New Roman"/>
               </a:rPr>
-              <a:t> </a:t>
+              <a:t>&lt;date/time&gt;</a:t>
             </a:r>
             <a:endParaRPr b="0" lang="en-US" sz="1400" spc="-1" strike="noStrike">
               <a:latin typeface="Times New Roman"/>
@@ -8699,8 +8699,8 @@
         </p:nvSpPr>
         <p:spPr>
           <a:xfrm rot="2744400">
-            <a:off x="-280080" y="-25560"/>
-            <a:ext cx="703800" cy="703440"/>
+            <a:off x="-279720" y="-25560"/>
+            <a:ext cx="703440" cy="703080"/>
           </a:xfrm>
           <a:prstGeom prst="roundRect">
             <a:avLst>
@@ -8737,8 +8737,8 @@
         </p:nvSpPr>
         <p:spPr>
           <a:xfrm rot="2625600">
-            <a:off x="6024960" y="4332600"/>
-            <a:ext cx="467640" cy="467640"/>
+            <a:off x="6024960" y="4332240"/>
+            <a:ext cx="467280" cy="467280"/>
           </a:xfrm>
           <a:prstGeom prst="roundRect">
             <a:avLst>
@@ -8775,8 +8775,8 @@
         </p:nvSpPr>
         <p:spPr>
           <a:xfrm rot="18679200">
-            <a:off x="7003440" y="948600"/>
-            <a:ext cx="4939200" cy="4665600"/>
+            <a:off x="7003080" y="948600"/>
+            <a:ext cx="4938840" cy="4665240"/>
           </a:xfrm>
           <a:prstGeom prst="roundRect">
             <a:avLst>
@@ -8814,7 +8814,7 @@
         <p:spPr>
           <a:xfrm>
             <a:off x="459720" y="4671360"/>
-            <a:ext cx="2994840" cy="265680"/>
+            <a:ext cx="2994480" cy="265320"/>
           </a:xfrm>
           <a:prstGeom prst="rect">
             <a:avLst/>
@@ -8879,8 +8879,8 @@
         </p:blipFill>
         <p:spPr>
           <a:xfrm>
-            <a:off x="2423160" y="4671720"/>
-            <a:ext cx="287280" cy="287280"/>
+            <a:off x="3035160" y="4743720"/>
+            <a:ext cx="286920" cy="286920"/>
           </a:xfrm>
           <a:prstGeom prst="rect">
             <a:avLst/>
@@ -8899,7 +8899,7 @@
         <p:spPr>
           <a:xfrm>
             <a:off x="484920" y="1681560"/>
-            <a:ext cx="5480280" cy="1881720"/>
+            <a:ext cx="5479920" cy="1881360"/>
           </a:xfrm>
           <a:prstGeom prst="rect">
             <a:avLst/>
@@ -8987,8 +8987,8 @@
         </p:nvSpPr>
         <p:spPr>
           <a:xfrm rot="2744400">
-            <a:off x="-280080" y="-25560"/>
-            <a:ext cx="703800" cy="703440"/>
+            <a:off x="-279720" y="-25560"/>
+            <a:ext cx="703440" cy="703080"/>
           </a:xfrm>
           <a:prstGeom prst="roundRect">
             <a:avLst>
@@ -9026,7 +9026,7 @@
         <p:spPr>
           <a:xfrm rot="2332200">
             <a:off x="6009120" y="-319680"/>
-            <a:ext cx="4854960" cy="7725960"/>
+            <a:ext cx="4854600" cy="7725600"/>
           </a:xfrm>
           <a:prstGeom prst="roundRect">
             <a:avLst>
@@ -9064,9 +9064,9 @@
         <p:grpSpPr>
           <a:xfrm>
             <a:off x="4571640" y="828000"/>
-            <a:ext cx="4467600" cy="3563640"/>
+            <a:ext cx="4467240" cy="3563280"/>
             <a:chOff x="4571640" y="828000"/>
-            <a:chExt cx="4467600" cy="3563640"/>
+            <a:chExt cx="4467240" cy="3563280"/>
           </a:xfrm>
         </p:grpSpPr>
         <p:pic>
@@ -9082,7 +9082,7 @@
           <p:spPr>
             <a:xfrm>
               <a:off x="4571640" y="828000"/>
-              <a:ext cx="4467600" cy="3563640"/>
+              <a:ext cx="4467240" cy="3563280"/>
             </a:xfrm>
             <a:prstGeom prst="rect">
               <a:avLst/>
@@ -9100,8 +9100,8 @@
           </p:nvSpPr>
           <p:spPr>
             <a:xfrm rot="16200000">
-              <a:off x="5962680" y="1159560"/>
-              <a:ext cx="1736640" cy="2770560"/>
+              <a:off x="5962680" y="1159920"/>
+              <a:ext cx="1736280" cy="2770200"/>
             </a:xfrm>
             <a:prstGeom prst="roundRect">
               <a:avLst>
@@ -9168,7 +9168,7 @@
         <p:spPr>
           <a:xfrm>
             <a:off x="5446080" y="1672200"/>
-            <a:ext cx="2770200" cy="1736640"/>
+            <a:ext cx="2769840" cy="1736280"/>
           </a:xfrm>
           <a:prstGeom prst="rect">
             <a:avLst/>
@@ -9220,7 +9220,7 @@
         <p:spPr>
           <a:xfrm>
             <a:off x="586440" y="1246680"/>
-            <a:ext cx="4003560" cy="3599280"/>
+            <a:ext cx="4003200" cy="3598920"/>
           </a:xfrm>
           <a:prstGeom prst="rect">
             <a:avLst/>
@@ -9272,7 +9272,7 @@
         <p:spPr>
           <a:xfrm>
             <a:off x="586440" y="453960"/>
-            <a:ext cx="4763520" cy="854640"/>
+            <a:ext cx="4763160" cy="854280"/>
           </a:xfrm>
           <a:prstGeom prst="rect">
             <a:avLst/>
@@ -9360,8 +9360,8 @@
         </p:nvSpPr>
         <p:spPr>
           <a:xfrm rot="2745600">
-            <a:off x="8349840" y="-668160"/>
-            <a:ext cx="1497600" cy="1497600"/>
+            <a:off x="8349840" y="-667800"/>
+            <a:ext cx="1497240" cy="1497240"/>
           </a:xfrm>
           <a:prstGeom prst="roundRect">
             <a:avLst>
@@ -9399,7 +9399,7 @@
         <p:spPr>
           <a:xfrm rot="2745600">
             <a:off x="7634160" y="-322200"/>
-            <a:ext cx="806400" cy="806760"/>
+            <a:ext cx="806040" cy="806400"/>
           </a:xfrm>
           <a:prstGeom prst="roundRect">
             <a:avLst>
@@ -9438,7 +9438,7 @@
         <p:spPr>
           <a:xfrm>
             <a:off x="586440" y="899640"/>
-            <a:ext cx="7931160" cy="1536480"/>
+            <a:ext cx="7930800" cy="1536120"/>
           </a:xfrm>
           <a:prstGeom prst="rect">
             <a:avLst/>
@@ -9490,7 +9490,7 @@
         <p:spPr>
           <a:xfrm>
             <a:off x="608040" y="2545560"/>
-            <a:ext cx="3711600" cy="2255040"/>
+            <a:ext cx="3711240" cy="2254680"/>
           </a:xfrm>
           <a:prstGeom prst="rect">
             <a:avLst/>
@@ -9542,7 +9542,7 @@
         <p:spPr>
           <a:xfrm>
             <a:off x="4806360" y="2545560"/>
-            <a:ext cx="3711600" cy="2255040"/>
+            <a:ext cx="3711240" cy="2254680"/>
           </a:xfrm>
           <a:prstGeom prst="rect">
             <a:avLst/>
@@ -9594,7 +9594,7 @@
         <p:spPr>
           <a:xfrm>
             <a:off x="583200" y="450720"/>
-            <a:ext cx="7197480" cy="511560"/>
+            <a:ext cx="7197120" cy="511200"/>
           </a:xfrm>
           <a:prstGeom prst="rect">
             <a:avLst/>
@@ -9676,7 +9676,7 @@
         <p:spPr>
           <a:xfrm>
             <a:off x="586440" y="1246680"/>
-            <a:ext cx="4003560" cy="3599280"/>
+            <a:ext cx="4003200" cy="3598920"/>
           </a:xfrm>
           <a:prstGeom prst="rect">
             <a:avLst/>
@@ -9728,7 +9728,7 @@
         <p:spPr>
           <a:xfrm>
             <a:off x="559800" y="446040"/>
-            <a:ext cx="4282920" cy="682920"/>
+            <a:ext cx="4282560" cy="682560"/>
           </a:xfrm>
           <a:prstGeom prst="rect">
             <a:avLst/>
@@ -9780,7 +9780,7 @@
         <p:spPr>
           <a:xfrm>
             <a:off x="5097600" y="360"/>
-            <a:ext cx="4379040" cy="5143320"/>
+            <a:ext cx="4378680" cy="5142960"/>
           </a:xfrm>
           <a:prstGeom prst="roundRect">
             <a:avLst>
@@ -9845,8 +9845,8 @@
         </p:nvSpPr>
         <p:spPr>
           <a:xfrm rot="2744400">
-            <a:off x="-280080" y="-25560"/>
-            <a:ext cx="703800" cy="703440"/>
+            <a:off x="-279720" y="-25560"/>
+            <a:ext cx="703440" cy="703080"/>
           </a:xfrm>
           <a:prstGeom prst="roundRect">
             <a:avLst>
@@ -9883,8 +9883,8 @@
         </p:nvSpPr>
         <p:spPr>
           <a:xfrm rot="2625600">
-            <a:off x="4861080" y="4146480"/>
-            <a:ext cx="467640" cy="467640"/>
+            <a:off x="4861080" y="4146120"/>
+            <a:ext cx="467280" cy="467280"/>
           </a:xfrm>
           <a:prstGeom prst="roundRect">
             <a:avLst>
@@ -9958,8 +9958,8 @@
         </p:nvSpPr>
         <p:spPr>
           <a:xfrm rot="2744400">
-            <a:off x="-349200" y="4539600"/>
-            <a:ext cx="703800" cy="703440"/>
+            <a:off x="-348840" y="4539240"/>
+            <a:ext cx="703440" cy="703080"/>
           </a:xfrm>
           <a:prstGeom prst="roundRect">
             <a:avLst>
@@ -9996,8 +9996,8 @@
         </p:nvSpPr>
         <p:spPr>
           <a:xfrm rot="19228200">
-            <a:off x="5845680" y="-2265840"/>
-            <a:ext cx="4854600" cy="7725600"/>
+            <a:off x="5845680" y="-2265480"/>
+            <a:ext cx="4854240" cy="7725240"/>
           </a:xfrm>
           <a:prstGeom prst="roundRect">
             <a:avLst>
@@ -10035,9 +10035,9 @@
         <p:grpSpPr>
           <a:xfrm>
             <a:off x="4571640" y="828000"/>
-            <a:ext cx="4467600" cy="3563640"/>
+            <a:ext cx="4467240" cy="3563280"/>
             <a:chOff x="4571640" y="828000"/>
-            <a:chExt cx="4467600" cy="3563640"/>
+            <a:chExt cx="4467240" cy="3563280"/>
           </a:xfrm>
         </p:grpSpPr>
         <p:pic>
@@ -10053,7 +10053,7 @@
           <p:spPr>
             <a:xfrm>
               <a:off x="4571640" y="828000"/>
-              <a:ext cx="4467600" cy="3563640"/>
+              <a:ext cx="4467240" cy="3563280"/>
             </a:xfrm>
             <a:prstGeom prst="rect">
               <a:avLst/>
@@ -10071,8 +10071,8 @@
           </p:nvSpPr>
           <p:spPr>
             <a:xfrm rot="16200000">
-              <a:off x="5962680" y="1159560"/>
-              <a:ext cx="1736640" cy="2770560"/>
+              <a:off x="5962680" y="1159920"/>
+              <a:ext cx="1736280" cy="2770200"/>
             </a:xfrm>
             <a:prstGeom prst="roundRect">
               <a:avLst>
@@ -10139,7 +10139,7 @@
         <p:spPr>
           <a:xfrm>
             <a:off x="586440" y="1246680"/>
-            <a:ext cx="4003560" cy="3599280"/>
+            <a:ext cx="4003200" cy="3598920"/>
           </a:xfrm>
           <a:prstGeom prst="rect">
             <a:avLst/>
@@ -10191,7 +10191,7 @@
         <p:spPr>
           <a:xfrm>
             <a:off x="5446080" y="1672200"/>
-            <a:ext cx="2779560" cy="1736640"/>
+            <a:ext cx="2779200" cy="1736280"/>
           </a:xfrm>
           <a:prstGeom prst="rect">
             <a:avLst/>
@@ -10243,7 +10243,7 @@
         <p:spPr>
           <a:xfrm>
             <a:off x="586440" y="453960"/>
-            <a:ext cx="3696120" cy="854640"/>
+            <a:ext cx="3695760" cy="854280"/>
           </a:xfrm>
           <a:prstGeom prst="rect">
             <a:avLst/>
@@ -10332,7 +10332,7 @@
         <p:spPr>
           <a:xfrm>
             <a:off x="4222080" y="1246680"/>
-            <a:ext cx="4114440" cy="3599280"/>
+            <a:ext cx="4114080" cy="3598920"/>
           </a:xfrm>
           <a:prstGeom prst="rect">
             <a:avLst/>
@@ -10383,8 +10383,8 @@
         </p:nvSpPr>
         <p:spPr>
           <a:xfrm rot="16200000">
-            <a:off x="-2181600" y="1734120"/>
-            <a:ext cx="5143320" cy="1683360"/>
+            <a:off x="-2181600" y="1734480"/>
+            <a:ext cx="5142960" cy="1683000"/>
           </a:xfrm>
           <a:prstGeom prst="roundRect">
             <a:avLst>
@@ -10421,8 +10421,8 @@
         </p:nvSpPr>
         <p:spPr>
           <a:xfrm rot="2745000">
-            <a:off x="8575200" y="103320"/>
-            <a:ext cx="1131840" cy="1131480"/>
+            <a:off x="8575200" y="102960"/>
+            <a:ext cx="1131480" cy="1131120"/>
           </a:xfrm>
           <a:prstGeom prst="roundRect">
             <a:avLst>
@@ -10459,8 +10459,8 @@
         </p:nvSpPr>
         <p:spPr>
           <a:xfrm rot="16200000">
-            <a:off x="614880" y="919440"/>
-            <a:ext cx="3231360" cy="3313080"/>
+            <a:off x="614880" y="919800"/>
+            <a:ext cx="3231000" cy="3312720"/>
           </a:xfrm>
           <a:prstGeom prst="roundRect">
             <a:avLst>
@@ -10526,7 +10526,7 @@
         <p:spPr>
           <a:xfrm>
             <a:off x="4214160" y="456120"/>
-            <a:ext cx="4111200" cy="854640"/>
+            <a:ext cx="4110840" cy="854280"/>
           </a:xfrm>
           <a:prstGeom prst="rect">
             <a:avLst/>
@@ -10614,8 +10614,8 @@
         </p:nvSpPr>
         <p:spPr>
           <a:xfrm rot="2744400">
-            <a:off x="-280080" y="-25560"/>
-            <a:ext cx="703800" cy="703440"/>
+            <a:off x="-279720" y="-25560"/>
+            <a:ext cx="703440" cy="703080"/>
           </a:xfrm>
           <a:prstGeom prst="roundRect">
             <a:avLst>
@@ -10653,7 +10653,7 @@
         <p:spPr>
           <a:xfrm rot="2332200">
             <a:off x="6009120" y="-319680"/>
-            <a:ext cx="4854960" cy="7725960"/>
+            <a:ext cx="4854600" cy="7725600"/>
           </a:xfrm>
           <a:prstGeom prst="roundRect">
             <a:avLst>
@@ -10691,9 +10691,9 @@
         <p:grpSpPr>
           <a:xfrm>
             <a:off x="4571640" y="828000"/>
-            <a:ext cx="4467600" cy="3563640"/>
+            <a:ext cx="4467240" cy="3563280"/>
             <a:chOff x="4571640" y="828000"/>
-            <a:chExt cx="4467600" cy="3563640"/>
+            <a:chExt cx="4467240" cy="3563280"/>
           </a:xfrm>
         </p:grpSpPr>
         <p:pic>
@@ -10709,7 +10709,7 @@
           <p:spPr>
             <a:xfrm>
               <a:off x="4571640" y="828000"/>
-              <a:ext cx="4467600" cy="3563640"/>
+              <a:ext cx="4467240" cy="3563280"/>
             </a:xfrm>
             <a:prstGeom prst="rect">
               <a:avLst/>
@@ -10727,8 +10727,8 @@
           </p:nvSpPr>
           <p:spPr>
             <a:xfrm rot="16200000">
-              <a:off x="5962680" y="1159560"/>
-              <a:ext cx="1736640" cy="2770560"/>
+              <a:off x="5962680" y="1159920"/>
+              <a:ext cx="1736280" cy="2770200"/>
             </a:xfrm>
             <a:prstGeom prst="roundRect">
               <a:avLst>
@@ -10795,7 +10795,7 @@
         <p:spPr>
           <a:xfrm>
             <a:off x="5446080" y="1672200"/>
-            <a:ext cx="2770200" cy="1736640"/>
+            <a:ext cx="2769840" cy="1736280"/>
           </a:xfrm>
           <a:prstGeom prst="rect">
             <a:avLst/>
@@ -10847,7 +10847,7 @@
         <p:spPr>
           <a:xfrm>
             <a:off x="586440" y="1246680"/>
-            <a:ext cx="4003560" cy="3599280"/>
+            <a:ext cx="4003200" cy="3598920"/>
           </a:xfrm>
           <a:prstGeom prst="rect">
             <a:avLst/>
@@ -10899,7 +10899,7 @@
         <p:spPr>
           <a:xfrm>
             <a:off x="586440" y="453960"/>
-            <a:ext cx="4763520" cy="854640"/>
+            <a:ext cx="4763160" cy="854280"/>
           </a:xfrm>
           <a:prstGeom prst="rect">
             <a:avLst/>
@@ -10987,8 +10987,8 @@
         </p:nvSpPr>
         <p:spPr>
           <a:xfrm rot="2745600">
-            <a:off x="8349840" y="-668160"/>
-            <a:ext cx="1497600" cy="1497600"/>
+            <a:off x="8349840" y="-667800"/>
+            <a:ext cx="1497240" cy="1497240"/>
           </a:xfrm>
           <a:prstGeom prst="roundRect">
             <a:avLst>
@@ -11026,7 +11026,7 @@
         <p:spPr>
           <a:xfrm rot="2745600">
             <a:off x="7634160" y="-322200"/>
-            <a:ext cx="806400" cy="806760"/>
+            <a:ext cx="806040" cy="806400"/>
           </a:xfrm>
           <a:prstGeom prst="roundRect">
             <a:avLst>
@@ -11065,7 +11065,7 @@
         <p:spPr>
           <a:xfrm>
             <a:off x="586440" y="899640"/>
-            <a:ext cx="7931160" cy="1536480"/>
+            <a:ext cx="7930800" cy="1536120"/>
           </a:xfrm>
           <a:prstGeom prst="rect">
             <a:avLst/>
@@ -11117,7 +11117,7 @@
         <p:spPr>
           <a:xfrm>
             <a:off x="608040" y="2545560"/>
-            <a:ext cx="3711600" cy="2255040"/>
+            <a:ext cx="3711240" cy="2254680"/>
           </a:xfrm>
           <a:prstGeom prst="rect">
             <a:avLst/>
@@ -11169,7 +11169,7 @@
         <p:spPr>
           <a:xfrm>
             <a:off x="4806360" y="2545560"/>
-            <a:ext cx="3711600" cy="2255040"/>
+            <a:ext cx="3711240" cy="2254680"/>
           </a:xfrm>
           <a:prstGeom prst="rect">
             <a:avLst/>
@@ -11221,7 +11221,7 @@
         <p:spPr>
           <a:xfrm>
             <a:off x="583200" y="450720"/>
-            <a:ext cx="7197480" cy="511560"/>
+            <a:ext cx="7197120" cy="511200"/>
           </a:xfrm>
           <a:prstGeom prst="rect">
             <a:avLst/>
@@ -11303,7 +11303,7 @@
         <p:spPr>
           <a:xfrm>
             <a:off x="586440" y="1246680"/>
-            <a:ext cx="4003560" cy="3599280"/>
+            <a:ext cx="4003200" cy="3598920"/>
           </a:xfrm>
           <a:prstGeom prst="rect">
             <a:avLst/>
@@ -11355,7 +11355,7 @@
         <p:spPr>
           <a:xfrm>
             <a:off x="559800" y="446040"/>
-            <a:ext cx="4282920" cy="682920"/>
+            <a:ext cx="4282560" cy="682560"/>
           </a:xfrm>
           <a:prstGeom prst="rect">
             <a:avLst/>
@@ -11407,7 +11407,7 @@
         <p:spPr>
           <a:xfrm>
             <a:off x="5097600" y="360"/>
-            <a:ext cx="4379040" cy="5143320"/>
+            <a:ext cx="4378680" cy="5142960"/>
           </a:xfrm>
           <a:prstGeom prst="roundRect">
             <a:avLst>
@@ -11472,8 +11472,8 @@
         </p:nvSpPr>
         <p:spPr>
           <a:xfrm rot="2744400">
-            <a:off x="-280080" y="-25560"/>
-            <a:ext cx="703800" cy="703440"/>
+            <a:off x="-279720" y="-25560"/>
+            <a:ext cx="703440" cy="703080"/>
           </a:xfrm>
           <a:prstGeom prst="roundRect">
             <a:avLst>
@@ -11510,8 +11510,8 @@
         </p:nvSpPr>
         <p:spPr>
           <a:xfrm rot="2625600">
-            <a:off x="4861080" y="4146480"/>
-            <a:ext cx="467640" cy="467640"/>
+            <a:off x="4861080" y="4146120"/>
+            <a:ext cx="467280" cy="467280"/>
           </a:xfrm>
           <a:prstGeom prst="roundRect">
             <a:avLst>
@@ -11585,8 +11585,8 @@
         </p:nvSpPr>
         <p:spPr>
           <a:xfrm rot="2744400">
-            <a:off x="-349200" y="4539600"/>
-            <a:ext cx="703800" cy="703440"/>
+            <a:off x="-348840" y="4539240"/>
+            <a:ext cx="703440" cy="703080"/>
           </a:xfrm>
           <a:prstGeom prst="roundRect">
             <a:avLst>
@@ -11623,8 +11623,8 @@
         </p:nvSpPr>
         <p:spPr>
           <a:xfrm rot="19228200">
-            <a:off x="5845680" y="-2265840"/>
-            <a:ext cx="4854600" cy="7725600"/>
+            <a:off x="5845680" y="-2265480"/>
+            <a:ext cx="4854240" cy="7725240"/>
           </a:xfrm>
           <a:prstGeom prst="roundRect">
             <a:avLst>
@@ -11662,9 +11662,9 @@
         <p:grpSpPr>
           <a:xfrm>
             <a:off x="4571640" y="828000"/>
-            <a:ext cx="4467600" cy="3563640"/>
+            <a:ext cx="4467240" cy="3563280"/>
             <a:chOff x="4571640" y="828000"/>
-            <a:chExt cx="4467600" cy="3563640"/>
+            <a:chExt cx="4467240" cy="3563280"/>
           </a:xfrm>
         </p:grpSpPr>
         <p:pic>
@@ -11680,7 +11680,7 @@
           <p:spPr>
             <a:xfrm>
               <a:off x="4571640" y="828000"/>
-              <a:ext cx="4467600" cy="3563640"/>
+              <a:ext cx="4467240" cy="3563280"/>
             </a:xfrm>
             <a:prstGeom prst="rect">
               <a:avLst/>
@@ -11698,8 +11698,8 @@
           </p:nvSpPr>
           <p:spPr>
             <a:xfrm rot="16200000">
-              <a:off x="5962680" y="1159560"/>
-              <a:ext cx="1736640" cy="2770560"/>
+              <a:off x="5962680" y="1159920"/>
+              <a:ext cx="1736280" cy="2770200"/>
             </a:xfrm>
             <a:prstGeom prst="roundRect">
               <a:avLst>
@@ -11766,7 +11766,7 @@
         <p:spPr>
           <a:xfrm>
             <a:off x="586440" y="1246680"/>
-            <a:ext cx="4003560" cy="3599280"/>
+            <a:ext cx="4003200" cy="3598920"/>
           </a:xfrm>
           <a:prstGeom prst="rect">
             <a:avLst/>
@@ -11818,7 +11818,7 @@
         <p:spPr>
           <a:xfrm>
             <a:off x="5446080" y="1672200"/>
-            <a:ext cx="2779560" cy="1736640"/>
+            <a:ext cx="2779200" cy="1736280"/>
           </a:xfrm>
           <a:prstGeom prst="rect">
             <a:avLst/>
@@ -11870,7 +11870,7 @@
         <p:spPr>
           <a:xfrm>
             <a:off x="586440" y="453960"/>
-            <a:ext cx="3696120" cy="854640"/>
+            <a:ext cx="3695760" cy="854280"/>
           </a:xfrm>
           <a:prstGeom prst="rect">
             <a:avLst/>
@@ -11959,7 +11959,7 @@
         <p:spPr>
           <a:xfrm>
             <a:off x="4222080" y="1246680"/>
-            <a:ext cx="4114440" cy="3599280"/>
+            <a:ext cx="4114080" cy="3598920"/>
           </a:xfrm>
           <a:prstGeom prst="rect">
             <a:avLst/>
@@ -12010,8 +12010,8 @@
         </p:nvSpPr>
         <p:spPr>
           <a:xfrm rot="16200000">
-            <a:off x="-2181600" y="1734120"/>
-            <a:ext cx="5143320" cy="1683360"/>
+            <a:off x="-2181600" y="1734480"/>
+            <a:ext cx="5142960" cy="1683000"/>
           </a:xfrm>
           <a:prstGeom prst="roundRect">
             <a:avLst>
@@ -12048,8 +12048,8 @@
         </p:nvSpPr>
         <p:spPr>
           <a:xfrm rot="2745000">
-            <a:off x="8575200" y="103320"/>
-            <a:ext cx="1131840" cy="1131480"/>
+            <a:off x="8575200" y="102960"/>
+            <a:ext cx="1131480" cy="1131120"/>
           </a:xfrm>
           <a:prstGeom prst="roundRect">
             <a:avLst>
@@ -12086,8 +12086,8 @@
         </p:nvSpPr>
         <p:spPr>
           <a:xfrm rot="16200000">
-            <a:off x="614880" y="919440"/>
-            <a:ext cx="3231360" cy="3313080"/>
+            <a:off x="614880" y="919800"/>
+            <a:ext cx="3231000" cy="3312720"/>
           </a:xfrm>
           <a:prstGeom prst="roundRect">
             <a:avLst>
@@ -12153,7 +12153,7 @@
         <p:spPr>
           <a:xfrm>
             <a:off x="4214160" y="456120"/>
-            <a:ext cx="4111200" cy="854640"/>
+            <a:ext cx="4110840" cy="854280"/>
           </a:xfrm>
           <a:prstGeom prst="rect">
             <a:avLst/>
@@ -12235,7 +12235,7 @@
         <p:spPr>
           <a:xfrm>
             <a:off x="586440" y="1246680"/>
-            <a:ext cx="4003560" cy="3599280"/>
+            <a:ext cx="4003200" cy="3598920"/>
           </a:xfrm>
           <a:prstGeom prst="rect">
             <a:avLst/>
@@ -12287,7 +12287,7 @@
         <p:spPr>
           <a:xfrm>
             <a:off x="559800" y="446040"/>
-            <a:ext cx="4282920" cy="682920"/>
+            <a:ext cx="4282560" cy="682560"/>
           </a:xfrm>
           <a:prstGeom prst="rect">
             <a:avLst/>
@@ -12339,7 +12339,7 @@
         <p:spPr>
           <a:xfrm>
             <a:off x="5097600" y="360"/>
-            <a:ext cx="4379040" cy="5143320"/>
+            <a:ext cx="4378680" cy="5142960"/>
           </a:xfrm>
           <a:prstGeom prst="roundRect">
             <a:avLst>
@@ -12404,8 +12404,8 @@
         </p:nvSpPr>
         <p:spPr>
           <a:xfrm rot="2744400">
-            <a:off x="-280080" y="-25560"/>
-            <a:ext cx="703800" cy="703440"/>
+            <a:off x="-279720" y="-25560"/>
+            <a:ext cx="703440" cy="703080"/>
           </a:xfrm>
           <a:prstGeom prst="roundRect">
             <a:avLst>
@@ -12442,8 +12442,8 @@
         </p:nvSpPr>
         <p:spPr>
           <a:xfrm rot="2625600">
-            <a:off x="4861080" y="4146480"/>
-            <a:ext cx="467640" cy="467640"/>
+            <a:off x="4861080" y="4146120"/>
+            <a:ext cx="467280" cy="467280"/>
           </a:xfrm>
           <a:prstGeom prst="roundRect">
             <a:avLst>
@@ -12517,8 +12517,8 @@
         </p:nvSpPr>
         <p:spPr>
           <a:xfrm rot="2744400">
-            <a:off x="-280080" y="-25560"/>
-            <a:ext cx="703800" cy="703440"/>
+            <a:off x="-279720" y="-25560"/>
+            <a:ext cx="703440" cy="703080"/>
           </a:xfrm>
           <a:prstGeom prst="roundRect">
             <a:avLst>
@@ -12556,7 +12556,7 @@
         <p:spPr>
           <a:xfrm rot="2332200">
             <a:off x="6009120" y="-319680"/>
-            <a:ext cx="4854960" cy="7725960"/>
+            <a:ext cx="4854600" cy="7725600"/>
           </a:xfrm>
           <a:prstGeom prst="roundRect">
             <a:avLst>
@@ -12594,9 +12594,9 @@
         <p:grpSpPr>
           <a:xfrm>
             <a:off x="4571640" y="828000"/>
-            <a:ext cx="4467600" cy="3563640"/>
+            <a:ext cx="4467240" cy="3563280"/>
             <a:chOff x="4571640" y="828000"/>
-            <a:chExt cx="4467600" cy="3563640"/>
+            <a:chExt cx="4467240" cy="3563280"/>
           </a:xfrm>
         </p:grpSpPr>
         <p:pic>
@@ -12612,7 +12612,7 @@
           <p:spPr>
             <a:xfrm>
               <a:off x="4571640" y="828000"/>
-              <a:ext cx="4467600" cy="3563640"/>
+              <a:ext cx="4467240" cy="3563280"/>
             </a:xfrm>
             <a:prstGeom prst="rect">
               <a:avLst/>
@@ -12630,8 +12630,8 @@
           </p:nvSpPr>
           <p:spPr>
             <a:xfrm rot="16200000">
-              <a:off x="5962680" y="1159560"/>
-              <a:ext cx="1736640" cy="2770560"/>
+              <a:off x="5962680" y="1159920"/>
+              <a:ext cx="1736280" cy="2770200"/>
             </a:xfrm>
             <a:prstGeom prst="roundRect">
               <a:avLst>
@@ -12698,7 +12698,7 @@
         <p:spPr>
           <a:xfrm>
             <a:off x="5446080" y="1672200"/>
-            <a:ext cx="2770200" cy="1736640"/>
+            <a:ext cx="2769840" cy="1736280"/>
           </a:xfrm>
           <a:prstGeom prst="rect">
             <a:avLst/>
@@ -12750,7 +12750,7 @@
         <p:spPr>
           <a:xfrm>
             <a:off x="586440" y="1246680"/>
-            <a:ext cx="4003560" cy="3599280"/>
+            <a:ext cx="4003200" cy="3598920"/>
           </a:xfrm>
           <a:prstGeom prst="rect">
             <a:avLst/>
@@ -12802,7 +12802,7 @@
         <p:spPr>
           <a:xfrm>
             <a:off x="586440" y="453960"/>
-            <a:ext cx="4763520" cy="854640"/>
+            <a:ext cx="4763160" cy="854280"/>
           </a:xfrm>
           <a:prstGeom prst="rect">
             <a:avLst/>
@@ -12890,8 +12890,8 @@
         </p:nvSpPr>
         <p:spPr>
           <a:xfrm rot="2745600">
-            <a:off x="8349840" y="-668160"/>
-            <a:ext cx="1497600" cy="1497600"/>
+            <a:off x="8349840" y="-667800"/>
+            <a:ext cx="1497240" cy="1497240"/>
           </a:xfrm>
           <a:prstGeom prst="roundRect">
             <a:avLst>
@@ -12929,7 +12929,7 @@
         <p:spPr>
           <a:xfrm rot="2745600">
             <a:off x="7634160" y="-322200"/>
-            <a:ext cx="806400" cy="806760"/>
+            <a:ext cx="806040" cy="806400"/>
           </a:xfrm>
           <a:prstGeom prst="roundRect">
             <a:avLst>
@@ -12968,7 +12968,7 @@
         <p:spPr>
           <a:xfrm>
             <a:off x="586440" y="899640"/>
-            <a:ext cx="7931160" cy="1536480"/>
+            <a:ext cx="7930800" cy="1536120"/>
           </a:xfrm>
           <a:prstGeom prst="rect">
             <a:avLst/>
@@ -13020,7 +13020,7 @@
         <p:spPr>
           <a:xfrm>
             <a:off x="608040" y="2545560"/>
-            <a:ext cx="3711600" cy="2255040"/>
+            <a:ext cx="3711240" cy="2254680"/>
           </a:xfrm>
           <a:prstGeom prst="rect">
             <a:avLst/>
@@ -13072,7 +13072,7 @@
         <p:spPr>
           <a:xfrm>
             <a:off x="4806360" y="2545560"/>
-            <a:ext cx="3711600" cy="2255040"/>
+            <a:ext cx="3711240" cy="2254680"/>
           </a:xfrm>
           <a:prstGeom prst="rect">
             <a:avLst/>
@@ -13124,7 +13124,7 @@
         <p:spPr>
           <a:xfrm>
             <a:off x="583200" y="450720"/>
-            <a:ext cx="7197480" cy="511560"/>
+            <a:ext cx="7197120" cy="511200"/>
           </a:xfrm>
           <a:prstGeom prst="rect">
             <a:avLst/>
@@ -13206,7 +13206,7 @@
         <p:spPr>
           <a:xfrm>
             <a:off x="586440" y="1246680"/>
-            <a:ext cx="4003560" cy="3599280"/>
+            <a:ext cx="4003200" cy="3598920"/>
           </a:xfrm>
           <a:prstGeom prst="rect">
             <a:avLst/>
@@ -13258,7 +13258,7 @@
         <p:spPr>
           <a:xfrm>
             <a:off x="559800" y="446040"/>
-            <a:ext cx="4282920" cy="682920"/>
+            <a:ext cx="4282560" cy="682560"/>
           </a:xfrm>
           <a:prstGeom prst="rect">
             <a:avLst/>
@@ -13310,7 +13310,7 @@
         <p:spPr>
           <a:xfrm>
             <a:off x="5097600" y="360"/>
-            <a:ext cx="4379040" cy="5143320"/>
+            <a:ext cx="4378680" cy="5142960"/>
           </a:xfrm>
           <a:prstGeom prst="roundRect">
             <a:avLst>
@@ -13375,8 +13375,8 @@
         </p:nvSpPr>
         <p:spPr>
           <a:xfrm rot="2744400">
-            <a:off x="-280080" y="-25560"/>
-            <a:ext cx="703800" cy="703440"/>
+            <a:off x="-279720" y="-25560"/>
+            <a:ext cx="703440" cy="703080"/>
           </a:xfrm>
           <a:prstGeom prst="roundRect">
             <a:avLst>
@@ -13413,8 +13413,8 @@
         </p:nvSpPr>
         <p:spPr>
           <a:xfrm rot="2625600">
-            <a:off x="4861080" y="4146480"/>
-            <a:ext cx="467640" cy="467640"/>
+            <a:off x="4861080" y="4146120"/>
+            <a:ext cx="467280" cy="467280"/>
           </a:xfrm>
           <a:prstGeom prst="roundRect">
             <a:avLst>
@@ -13488,8 +13488,8 @@
         </p:nvSpPr>
         <p:spPr>
           <a:xfrm rot="2744400">
-            <a:off x="-349200" y="4539600"/>
-            <a:ext cx="703800" cy="703440"/>
+            <a:off x="-348840" y="4539240"/>
+            <a:ext cx="703440" cy="703080"/>
           </a:xfrm>
           <a:prstGeom prst="roundRect">
             <a:avLst>
@@ -13526,8 +13526,8 @@
         </p:nvSpPr>
         <p:spPr>
           <a:xfrm rot="19228200">
-            <a:off x="5845680" y="-2265840"/>
-            <a:ext cx="4854600" cy="7725600"/>
+            <a:off x="5845680" y="-2265480"/>
+            <a:ext cx="4854240" cy="7725240"/>
           </a:xfrm>
           <a:prstGeom prst="roundRect">
             <a:avLst>
@@ -13565,9 +13565,9 @@
         <p:grpSpPr>
           <a:xfrm>
             <a:off x="4571640" y="828000"/>
-            <a:ext cx="4467600" cy="3563640"/>
+            <a:ext cx="4467240" cy="3563280"/>
             <a:chOff x="4571640" y="828000"/>
-            <a:chExt cx="4467600" cy="3563640"/>
+            <a:chExt cx="4467240" cy="3563280"/>
           </a:xfrm>
         </p:grpSpPr>
         <p:pic>
@@ -13583,7 +13583,7 @@
           <p:spPr>
             <a:xfrm>
               <a:off x="4571640" y="828000"/>
-              <a:ext cx="4467600" cy="3563640"/>
+              <a:ext cx="4467240" cy="3563280"/>
             </a:xfrm>
             <a:prstGeom prst="rect">
               <a:avLst/>
@@ -13601,8 +13601,8 @@
           </p:nvSpPr>
           <p:spPr>
             <a:xfrm rot="16200000">
-              <a:off x="5962680" y="1159560"/>
-              <a:ext cx="1736640" cy="2770560"/>
+              <a:off x="5962680" y="1159920"/>
+              <a:ext cx="1736280" cy="2770200"/>
             </a:xfrm>
             <a:prstGeom prst="roundRect">
               <a:avLst>
@@ -13669,7 +13669,7 @@
         <p:spPr>
           <a:xfrm>
             <a:off x="586440" y="1246680"/>
-            <a:ext cx="4003560" cy="3599280"/>
+            <a:ext cx="4003200" cy="3598920"/>
           </a:xfrm>
           <a:prstGeom prst="rect">
             <a:avLst/>
@@ -13721,7 +13721,7 @@
         <p:spPr>
           <a:xfrm>
             <a:off x="5446080" y="1672200"/>
-            <a:ext cx="2779560" cy="1736640"/>
+            <a:ext cx="2779200" cy="1736280"/>
           </a:xfrm>
           <a:prstGeom prst="rect">
             <a:avLst/>
@@ -13773,7 +13773,7 @@
         <p:spPr>
           <a:xfrm>
             <a:off x="586440" y="453960"/>
-            <a:ext cx="3696120" cy="854640"/>
+            <a:ext cx="3695760" cy="854280"/>
           </a:xfrm>
           <a:prstGeom prst="rect">
             <a:avLst/>
@@ -13862,7 +13862,7 @@
         <p:spPr>
           <a:xfrm>
             <a:off x="4222080" y="1246680"/>
-            <a:ext cx="4114440" cy="3599280"/>
+            <a:ext cx="4114080" cy="3598920"/>
           </a:xfrm>
           <a:prstGeom prst="rect">
             <a:avLst/>
@@ -13913,8 +13913,8 @@
         </p:nvSpPr>
         <p:spPr>
           <a:xfrm rot="16200000">
-            <a:off x="-2181600" y="1734120"/>
-            <a:ext cx="5143320" cy="1683360"/>
+            <a:off x="-2181600" y="1734480"/>
+            <a:ext cx="5142960" cy="1683000"/>
           </a:xfrm>
           <a:prstGeom prst="roundRect">
             <a:avLst>
@@ -13951,8 +13951,8 @@
         </p:nvSpPr>
         <p:spPr>
           <a:xfrm rot="2745000">
-            <a:off x="8575200" y="103320"/>
-            <a:ext cx="1131840" cy="1131480"/>
+            <a:off x="8575200" y="102960"/>
+            <a:ext cx="1131480" cy="1131120"/>
           </a:xfrm>
           <a:prstGeom prst="roundRect">
             <a:avLst>
@@ -13989,8 +13989,8 @@
         </p:nvSpPr>
         <p:spPr>
           <a:xfrm rot="16200000">
-            <a:off x="614880" y="919440"/>
-            <a:ext cx="3231360" cy="3313080"/>
+            <a:off x="614880" y="919800"/>
+            <a:ext cx="3231000" cy="3312720"/>
           </a:xfrm>
           <a:prstGeom prst="roundRect">
             <a:avLst>
@@ -14056,7 +14056,7 @@
         <p:spPr>
           <a:xfrm>
             <a:off x="4214160" y="456120"/>
-            <a:ext cx="4111200" cy="854640"/>
+            <a:ext cx="4110840" cy="854280"/>
           </a:xfrm>
           <a:prstGeom prst="rect">
             <a:avLst/>
@@ -14144,8 +14144,8 @@
         </p:nvSpPr>
         <p:spPr>
           <a:xfrm rot="2744400">
-            <a:off x="-280080" y="-25560"/>
-            <a:ext cx="703800" cy="703440"/>
+            <a:off x="-279720" y="-25560"/>
+            <a:ext cx="703440" cy="703080"/>
           </a:xfrm>
           <a:prstGeom prst="roundRect">
             <a:avLst>
@@ -14183,7 +14183,7 @@
         <p:spPr>
           <a:xfrm rot="2332200">
             <a:off x="6009120" y="-319680"/>
-            <a:ext cx="4854960" cy="7725960"/>
+            <a:ext cx="4854600" cy="7725600"/>
           </a:xfrm>
           <a:prstGeom prst="roundRect">
             <a:avLst>
@@ -14221,9 +14221,9 @@
         <p:grpSpPr>
           <a:xfrm>
             <a:off x="4571640" y="828000"/>
-            <a:ext cx="4467600" cy="3563640"/>
+            <a:ext cx="4467240" cy="3563280"/>
             <a:chOff x="4571640" y="828000"/>
-            <a:chExt cx="4467600" cy="3563640"/>
+            <a:chExt cx="4467240" cy="3563280"/>
           </a:xfrm>
         </p:grpSpPr>
         <p:pic>
@@ -14239,7 +14239,7 @@
           <p:spPr>
             <a:xfrm>
               <a:off x="4571640" y="828000"/>
-              <a:ext cx="4467600" cy="3563640"/>
+              <a:ext cx="4467240" cy="3563280"/>
             </a:xfrm>
             <a:prstGeom prst="rect">
               <a:avLst/>
@@ -14257,8 +14257,8 @@
           </p:nvSpPr>
           <p:spPr>
             <a:xfrm rot="16200000">
-              <a:off x="5962680" y="1159560"/>
-              <a:ext cx="1736640" cy="2770560"/>
+              <a:off x="5962680" y="1159920"/>
+              <a:ext cx="1736280" cy="2770200"/>
             </a:xfrm>
             <a:prstGeom prst="roundRect">
               <a:avLst>
@@ -14325,7 +14325,7 @@
         <p:spPr>
           <a:xfrm>
             <a:off x="5446080" y="1672200"/>
-            <a:ext cx="2770200" cy="1736640"/>
+            <a:ext cx="2769840" cy="1736280"/>
           </a:xfrm>
           <a:prstGeom prst="rect">
             <a:avLst/>
@@ -14377,7 +14377,7 @@
         <p:spPr>
           <a:xfrm>
             <a:off x="586440" y="1246680"/>
-            <a:ext cx="4003560" cy="3599280"/>
+            <a:ext cx="4003200" cy="3598920"/>
           </a:xfrm>
           <a:prstGeom prst="rect">
             <a:avLst/>
@@ -14429,7 +14429,7 @@
         <p:spPr>
           <a:xfrm>
             <a:off x="586440" y="453960"/>
-            <a:ext cx="4763520" cy="854640"/>
+            <a:ext cx="4763160" cy="854280"/>
           </a:xfrm>
           <a:prstGeom prst="rect">
             <a:avLst/>
@@ -14517,8 +14517,8 @@
         </p:nvSpPr>
         <p:spPr>
           <a:xfrm rot="2745600">
-            <a:off x="8349840" y="-668160"/>
-            <a:ext cx="1497600" cy="1497600"/>
+            <a:off x="8349840" y="-667800"/>
+            <a:ext cx="1497240" cy="1497240"/>
           </a:xfrm>
           <a:prstGeom prst="roundRect">
             <a:avLst>
@@ -14556,7 +14556,7 @@
         <p:spPr>
           <a:xfrm rot="2745600">
             <a:off x="7634160" y="-322200"/>
-            <a:ext cx="806400" cy="806760"/>
+            <a:ext cx="806040" cy="806400"/>
           </a:xfrm>
           <a:prstGeom prst="roundRect">
             <a:avLst>
@@ -14595,7 +14595,7 @@
         <p:spPr>
           <a:xfrm>
             <a:off x="586440" y="899640"/>
-            <a:ext cx="7931160" cy="1536480"/>
+            <a:ext cx="7930800" cy="1536120"/>
           </a:xfrm>
           <a:prstGeom prst="rect">
             <a:avLst/>
@@ -14647,7 +14647,7 @@
         <p:spPr>
           <a:xfrm>
             <a:off x="608040" y="2545560"/>
-            <a:ext cx="3711600" cy="2255040"/>
+            <a:ext cx="3711240" cy="2254680"/>
           </a:xfrm>
           <a:prstGeom prst="rect">
             <a:avLst/>
@@ -14699,7 +14699,7 @@
         <p:spPr>
           <a:xfrm>
             <a:off x="4806360" y="2545560"/>
-            <a:ext cx="3711600" cy="2255040"/>
+            <a:ext cx="3711240" cy="2254680"/>
           </a:xfrm>
           <a:prstGeom prst="rect">
             <a:avLst/>
@@ -14751,7 +14751,7 @@
         <p:spPr>
           <a:xfrm>
             <a:off x="583200" y="450720"/>
-            <a:ext cx="7197480" cy="511560"/>
+            <a:ext cx="7197120" cy="511200"/>
           </a:xfrm>
           <a:prstGeom prst="rect">
             <a:avLst/>
@@ -14833,7 +14833,7 @@
         <p:spPr>
           <a:xfrm>
             <a:off x="586440" y="1246680"/>
-            <a:ext cx="4003560" cy="3599280"/>
+            <a:ext cx="4003200" cy="3598920"/>
           </a:xfrm>
           <a:prstGeom prst="rect">
             <a:avLst/>
@@ -14885,7 +14885,7 @@
         <p:spPr>
           <a:xfrm>
             <a:off x="559800" y="446040"/>
-            <a:ext cx="4282920" cy="682920"/>
+            <a:ext cx="4282560" cy="682560"/>
           </a:xfrm>
           <a:prstGeom prst="rect">
             <a:avLst/>
@@ -14937,7 +14937,7 @@
         <p:spPr>
           <a:xfrm>
             <a:off x="5097600" y="360"/>
-            <a:ext cx="4379040" cy="5143320"/>
+            <a:ext cx="4378680" cy="5142960"/>
           </a:xfrm>
           <a:prstGeom prst="roundRect">
             <a:avLst>
@@ -15002,8 +15002,8 @@
         </p:nvSpPr>
         <p:spPr>
           <a:xfrm rot="2744400">
-            <a:off x="-280080" y="-25560"/>
-            <a:ext cx="703800" cy="703440"/>
+            <a:off x="-279720" y="-25560"/>
+            <a:ext cx="703440" cy="703080"/>
           </a:xfrm>
           <a:prstGeom prst="roundRect">
             <a:avLst>
@@ -15040,8 +15040,8 @@
         </p:nvSpPr>
         <p:spPr>
           <a:xfrm rot="2625600">
-            <a:off x="4861080" y="4146480"/>
-            <a:ext cx="467640" cy="467640"/>
+            <a:off x="4861080" y="4146120"/>
+            <a:ext cx="467280" cy="467280"/>
           </a:xfrm>
           <a:prstGeom prst="roundRect">
             <a:avLst>
@@ -15115,8 +15115,8 @@
         </p:nvSpPr>
         <p:spPr>
           <a:xfrm rot="2744400">
-            <a:off x="-349200" y="4539600"/>
-            <a:ext cx="703800" cy="703440"/>
+            <a:off x="-348840" y="4539240"/>
+            <a:ext cx="703440" cy="703080"/>
           </a:xfrm>
           <a:prstGeom prst="roundRect">
             <a:avLst>
@@ -15153,8 +15153,8 @@
         </p:nvSpPr>
         <p:spPr>
           <a:xfrm rot="19228200">
-            <a:off x="5845680" y="-2265840"/>
-            <a:ext cx="4854600" cy="7725600"/>
+            <a:off x="5845680" y="-2265480"/>
+            <a:ext cx="4854240" cy="7725240"/>
           </a:xfrm>
           <a:prstGeom prst="roundRect">
             <a:avLst>
@@ -15192,9 +15192,9 @@
         <p:grpSpPr>
           <a:xfrm>
             <a:off x="4571640" y="828000"/>
-            <a:ext cx="4467600" cy="3563640"/>
+            <a:ext cx="4467240" cy="3563280"/>
             <a:chOff x="4571640" y="828000"/>
-            <a:chExt cx="4467600" cy="3563640"/>
+            <a:chExt cx="4467240" cy="3563280"/>
           </a:xfrm>
         </p:grpSpPr>
         <p:pic>
@@ -15210,7 +15210,7 @@
           <p:spPr>
             <a:xfrm>
               <a:off x="4571640" y="828000"/>
-              <a:ext cx="4467600" cy="3563640"/>
+              <a:ext cx="4467240" cy="3563280"/>
             </a:xfrm>
             <a:prstGeom prst="rect">
               <a:avLst/>
@@ -15228,8 +15228,8 @@
           </p:nvSpPr>
           <p:spPr>
             <a:xfrm rot="16200000">
-              <a:off x="5962680" y="1159560"/>
-              <a:ext cx="1736640" cy="2770560"/>
+              <a:off x="5962680" y="1159920"/>
+              <a:ext cx="1736280" cy="2770200"/>
             </a:xfrm>
             <a:prstGeom prst="roundRect">
               <a:avLst>
@@ -15296,7 +15296,7 @@
         <p:spPr>
           <a:xfrm>
             <a:off x="586440" y="1246680"/>
-            <a:ext cx="4003560" cy="3599280"/>
+            <a:ext cx="4003200" cy="3598920"/>
           </a:xfrm>
           <a:prstGeom prst="rect">
             <a:avLst/>
@@ -15348,7 +15348,7 @@
         <p:spPr>
           <a:xfrm>
             <a:off x="5446080" y="1672200"/>
-            <a:ext cx="2779560" cy="1736640"/>
+            <a:ext cx="2779200" cy="1736280"/>
           </a:xfrm>
           <a:prstGeom prst="rect">
             <a:avLst/>
@@ -15400,7 +15400,7 @@
         <p:spPr>
           <a:xfrm>
             <a:off x="586440" y="453960"/>
-            <a:ext cx="3696120" cy="854640"/>
+            <a:ext cx="3695760" cy="854280"/>
           </a:xfrm>
           <a:prstGeom prst="rect">
             <a:avLst/>
@@ -15489,7 +15489,7 @@
         <p:spPr>
           <a:xfrm>
             <a:off x="4222080" y="1246680"/>
-            <a:ext cx="4114440" cy="3599280"/>
+            <a:ext cx="4114080" cy="3598920"/>
           </a:xfrm>
           <a:prstGeom prst="rect">
             <a:avLst/>
@@ -15540,8 +15540,8 @@
         </p:nvSpPr>
         <p:spPr>
           <a:xfrm rot="16200000">
-            <a:off x="-2181600" y="1734120"/>
-            <a:ext cx="5143320" cy="1683360"/>
+            <a:off x="-2181600" y="1734480"/>
+            <a:ext cx="5142960" cy="1683000"/>
           </a:xfrm>
           <a:prstGeom prst="roundRect">
             <a:avLst>
@@ -15578,8 +15578,8 @@
         </p:nvSpPr>
         <p:spPr>
           <a:xfrm rot="2745000">
-            <a:off x="8575200" y="103320"/>
-            <a:ext cx="1131840" cy="1131480"/>
+            <a:off x="8575200" y="102960"/>
+            <a:ext cx="1131480" cy="1131120"/>
           </a:xfrm>
           <a:prstGeom prst="roundRect">
             <a:avLst>
@@ -15616,8 +15616,8 @@
         </p:nvSpPr>
         <p:spPr>
           <a:xfrm rot="16200000">
-            <a:off x="614880" y="919440"/>
-            <a:ext cx="3231360" cy="3313080"/>
+            <a:off x="614880" y="919800"/>
+            <a:ext cx="3231000" cy="3312720"/>
           </a:xfrm>
           <a:prstGeom prst="roundRect">
             <a:avLst>
@@ -15683,7 +15683,7 @@
         <p:spPr>
           <a:xfrm>
             <a:off x="4214160" y="456120"/>
-            <a:ext cx="4111200" cy="854640"/>
+            <a:ext cx="4110840" cy="854280"/>
           </a:xfrm>
           <a:prstGeom prst="rect">
             <a:avLst/>
@@ -15771,8 +15771,8 @@
         </p:nvSpPr>
         <p:spPr>
           <a:xfrm rot="2744400">
-            <a:off x="-349200" y="4539600"/>
-            <a:ext cx="703800" cy="703440"/>
+            <a:off x="-348840" y="4539240"/>
+            <a:ext cx="703440" cy="703080"/>
           </a:xfrm>
           <a:prstGeom prst="roundRect">
             <a:avLst>
@@ -15809,8 +15809,8 @@
         </p:nvSpPr>
         <p:spPr>
           <a:xfrm rot="19228200">
-            <a:off x="5845680" y="-2265840"/>
-            <a:ext cx="4854600" cy="7725600"/>
+            <a:off x="5845680" y="-2265480"/>
+            <a:ext cx="4854240" cy="7725240"/>
           </a:xfrm>
           <a:prstGeom prst="roundRect">
             <a:avLst>
@@ -15848,9 +15848,9 @@
         <p:grpSpPr>
           <a:xfrm>
             <a:off x="4571640" y="828000"/>
-            <a:ext cx="4467600" cy="3563640"/>
+            <a:ext cx="4467240" cy="3563280"/>
             <a:chOff x="4571640" y="828000"/>
-            <a:chExt cx="4467600" cy="3563640"/>
+            <a:chExt cx="4467240" cy="3563280"/>
           </a:xfrm>
         </p:grpSpPr>
         <p:pic>
@@ -15866,7 +15866,7 @@
           <p:spPr>
             <a:xfrm>
               <a:off x="4571640" y="828000"/>
-              <a:ext cx="4467600" cy="3563640"/>
+              <a:ext cx="4467240" cy="3563280"/>
             </a:xfrm>
             <a:prstGeom prst="rect">
               <a:avLst/>
@@ -15884,8 +15884,8 @@
           </p:nvSpPr>
           <p:spPr>
             <a:xfrm rot="16200000">
-              <a:off x="5962680" y="1159560"/>
-              <a:ext cx="1736640" cy="2770560"/>
+              <a:off x="5962680" y="1159920"/>
+              <a:ext cx="1736280" cy="2770200"/>
             </a:xfrm>
             <a:prstGeom prst="roundRect">
               <a:avLst>
@@ -15952,7 +15952,7 @@
         <p:spPr>
           <a:xfrm>
             <a:off x="586440" y="1246680"/>
-            <a:ext cx="4003560" cy="3599280"/>
+            <a:ext cx="4003200" cy="3598920"/>
           </a:xfrm>
           <a:prstGeom prst="rect">
             <a:avLst/>
@@ -16004,7 +16004,7 @@
         <p:spPr>
           <a:xfrm>
             <a:off x="5446080" y="1672200"/>
-            <a:ext cx="2779560" cy="1736640"/>
+            <a:ext cx="2779200" cy="1736280"/>
           </a:xfrm>
           <a:prstGeom prst="rect">
             <a:avLst/>
@@ -16056,7 +16056,7 @@
         <p:spPr>
           <a:xfrm>
             <a:off x="586440" y="453960"/>
-            <a:ext cx="3696120" cy="854640"/>
+            <a:ext cx="3695760" cy="854280"/>
           </a:xfrm>
           <a:prstGeom prst="rect">
             <a:avLst/>
@@ -16144,8 +16144,8 @@
         </p:nvSpPr>
         <p:spPr>
           <a:xfrm rot="2744400">
-            <a:off x="-280080" y="-25560"/>
-            <a:ext cx="703800" cy="703440"/>
+            <a:off x="-279720" y="-25560"/>
+            <a:ext cx="703440" cy="703080"/>
           </a:xfrm>
           <a:prstGeom prst="roundRect">
             <a:avLst>
@@ -16183,7 +16183,7 @@
         <p:spPr>
           <a:xfrm rot="2332200">
             <a:off x="6009120" y="-319680"/>
-            <a:ext cx="4854960" cy="7725960"/>
+            <a:ext cx="4854600" cy="7725600"/>
           </a:xfrm>
           <a:prstGeom prst="roundRect">
             <a:avLst>
@@ -16221,9 +16221,9 @@
         <p:grpSpPr>
           <a:xfrm>
             <a:off x="4571640" y="828000"/>
-            <a:ext cx="4467600" cy="3563640"/>
+            <a:ext cx="4467240" cy="3563280"/>
             <a:chOff x="4571640" y="828000"/>
-            <a:chExt cx="4467600" cy="3563640"/>
+            <a:chExt cx="4467240" cy="3563280"/>
           </a:xfrm>
         </p:grpSpPr>
         <p:pic>
@@ -16239,7 +16239,7 @@
           <p:spPr>
             <a:xfrm>
               <a:off x="4571640" y="828000"/>
-              <a:ext cx="4467600" cy="3563640"/>
+              <a:ext cx="4467240" cy="3563280"/>
             </a:xfrm>
             <a:prstGeom prst="rect">
               <a:avLst/>
@@ -16257,8 +16257,8 @@
           </p:nvSpPr>
           <p:spPr>
             <a:xfrm rot="16200000">
-              <a:off x="5962680" y="1159560"/>
-              <a:ext cx="1736640" cy="2770560"/>
+              <a:off x="5962680" y="1159920"/>
+              <a:ext cx="1736280" cy="2770200"/>
             </a:xfrm>
             <a:prstGeom prst="roundRect">
               <a:avLst>
@@ -16325,7 +16325,7 @@
         <p:spPr>
           <a:xfrm>
             <a:off x="5446080" y="1672200"/>
-            <a:ext cx="2770200" cy="1736640"/>
+            <a:ext cx="2769840" cy="1736280"/>
           </a:xfrm>
           <a:prstGeom prst="rect">
             <a:avLst/>
@@ -16377,7 +16377,7 @@
         <p:spPr>
           <a:xfrm>
             <a:off x="586440" y="1246680"/>
-            <a:ext cx="4003560" cy="3599280"/>
+            <a:ext cx="4003200" cy="3598920"/>
           </a:xfrm>
           <a:prstGeom prst="rect">
             <a:avLst/>
@@ -16429,7 +16429,7 @@
         <p:spPr>
           <a:xfrm>
             <a:off x="586440" y="453960"/>
-            <a:ext cx="4763520" cy="854640"/>
+            <a:ext cx="4763160" cy="854280"/>
           </a:xfrm>
           <a:prstGeom prst="rect">
             <a:avLst/>
@@ -16517,8 +16517,8 @@
         </p:nvSpPr>
         <p:spPr>
           <a:xfrm rot="2745600">
-            <a:off x="8349840" y="-668160"/>
-            <a:ext cx="1497600" cy="1497600"/>
+            <a:off x="8349840" y="-667800"/>
+            <a:ext cx="1497240" cy="1497240"/>
           </a:xfrm>
           <a:prstGeom prst="roundRect">
             <a:avLst>
@@ -16556,7 +16556,7 @@
         <p:spPr>
           <a:xfrm rot="2745600">
             <a:off x="7634160" y="-322200"/>
-            <a:ext cx="806400" cy="806760"/>
+            <a:ext cx="806040" cy="806400"/>
           </a:xfrm>
           <a:prstGeom prst="roundRect">
             <a:avLst>
@@ -16595,7 +16595,7 @@
         <p:spPr>
           <a:xfrm>
             <a:off x="586440" y="899640"/>
-            <a:ext cx="7931160" cy="1536480"/>
+            <a:ext cx="7930800" cy="1536120"/>
           </a:xfrm>
           <a:prstGeom prst="rect">
             <a:avLst/>
@@ -16647,7 +16647,7 @@
         <p:spPr>
           <a:xfrm>
             <a:off x="608040" y="2545560"/>
-            <a:ext cx="3711600" cy="2255040"/>
+            <a:ext cx="3711240" cy="2254680"/>
           </a:xfrm>
           <a:prstGeom prst="rect">
             <a:avLst/>
@@ -16699,7 +16699,7 @@
         <p:spPr>
           <a:xfrm>
             <a:off x="4806360" y="2545560"/>
-            <a:ext cx="3711600" cy="2255040"/>
+            <a:ext cx="3711240" cy="2254680"/>
           </a:xfrm>
           <a:prstGeom prst="rect">
             <a:avLst/>
@@ -16751,7 +16751,7 @@
         <p:spPr>
           <a:xfrm>
             <a:off x="583200" y="450720"/>
-            <a:ext cx="7197480" cy="511560"/>
+            <a:ext cx="7197120" cy="511200"/>
           </a:xfrm>
           <a:prstGeom prst="rect">
             <a:avLst/>
@@ -16833,7 +16833,7 @@
         <p:spPr>
           <a:xfrm>
             <a:off x="586440" y="1246680"/>
-            <a:ext cx="4003560" cy="3599280"/>
+            <a:ext cx="4003200" cy="3598920"/>
           </a:xfrm>
           <a:prstGeom prst="rect">
             <a:avLst/>
@@ -16885,7 +16885,7 @@
         <p:spPr>
           <a:xfrm>
             <a:off x="559800" y="446040"/>
-            <a:ext cx="4282920" cy="682920"/>
+            <a:ext cx="4282560" cy="682560"/>
           </a:xfrm>
           <a:prstGeom prst="rect">
             <a:avLst/>
@@ -16937,7 +16937,7 @@
         <p:spPr>
           <a:xfrm>
             <a:off x="5097600" y="360"/>
-            <a:ext cx="4379040" cy="5143320"/>
+            <a:ext cx="4378680" cy="5142960"/>
           </a:xfrm>
           <a:prstGeom prst="roundRect">
             <a:avLst>
@@ -17002,8 +17002,8 @@
         </p:nvSpPr>
         <p:spPr>
           <a:xfrm rot="2744400">
-            <a:off x="-280080" y="-25560"/>
-            <a:ext cx="703800" cy="703440"/>
+            <a:off x="-279720" y="-25560"/>
+            <a:ext cx="703440" cy="703080"/>
           </a:xfrm>
           <a:prstGeom prst="roundRect">
             <a:avLst>
@@ -17040,8 +17040,8 @@
         </p:nvSpPr>
         <p:spPr>
           <a:xfrm rot="2625600">
-            <a:off x="4861080" y="4146480"/>
-            <a:ext cx="467640" cy="467640"/>
+            <a:off x="4861080" y="4146120"/>
+            <a:ext cx="467280" cy="467280"/>
           </a:xfrm>
           <a:prstGeom prst="roundRect">
             <a:avLst>
@@ -17115,8 +17115,8 @@
         </p:nvSpPr>
         <p:spPr>
           <a:xfrm rot="2744400">
-            <a:off x="-349200" y="4539600"/>
-            <a:ext cx="703800" cy="703440"/>
+            <a:off x="-348840" y="4539240"/>
+            <a:ext cx="703440" cy="703080"/>
           </a:xfrm>
           <a:prstGeom prst="roundRect">
             <a:avLst>
@@ -17153,8 +17153,8 @@
         </p:nvSpPr>
         <p:spPr>
           <a:xfrm rot="19228200">
-            <a:off x="5845680" y="-2265840"/>
-            <a:ext cx="4854600" cy="7725600"/>
+            <a:off x="5845680" y="-2265480"/>
+            <a:ext cx="4854240" cy="7725240"/>
           </a:xfrm>
           <a:prstGeom prst="roundRect">
             <a:avLst>
@@ -17192,9 +17192,9 @@
         <p:grpSpPr>
           <a:xfrm>
             <a:off x="4571640" y="828000"/>
-            <a:ext cx="4467600" cy="3563640"/>
+            <a:ext cx="4467240" cy="3563280"/>
             <a:chOff x="4571640" y="828000"/>
-            <a:chExt cx="4467600" cy="3563640"/>
+            <a:chExt cx="4467240" cy="3563280"/>
           </a:xfrm>
         </p:grpSpPr>
         <p:pic>
@@ -17210,7 +17210,7 @@
           <p:spPr>
             <a:xfrm>
               <a:off x="4571640" y="828000"/>
-              <a:ext cx="4467600" cy="3563640"/>
+              <a:ext cx="4467240" cy="3563280"/>
             </a:xfrm>
             <a:prstGeom prst="rect">
               <a:avLst/>
@@ -17228,8 +17228,8 @@
           </p:nvSpPr>
           <p:spPr>
             <a:xfrm rot="16200000">
-              <a:off x="5962680" y="1159560"/>
-              <a:ext cx="1736640" cy="2770560"/>
+              <a:off x="5962680" y="1159920"/>
+              <a:ext cx="1736280" cy="2770200"/>
             </a:xfrm>
             <a:prstGeom prst="roundRect">
               <a:avLst>
@@ -17296,7 +17296,7 @@
         <p:spPr>
           <a:xfrm>
             <a:off x="586440" y="1246680"/>
-            <a:ext cx="4003560" cy="3599280"/>
+            <a:ext cx="4003200" cy="3598920"/>
           </a:xfrm>
           <a:prstGeom prst="rect">
             <a:avLst/>
@@ -17348,7 +17348,7 @@
         <p:spPr>
           <a:xfrm>
             <a:off x="5446080" y="1672200"/>
-            <a:ext cx="2779560" cy="1736640"/>
+            <a:ext cx="2779200" cy="1736280"/>
           </a:xfrm>
           <a:prstGeom prst="rect">
             <a:avLst/>
@@ -17400,7 +17400,7 @@
         <p:spPr>
           <a:xfrm>
             <a:off x="586440" y="453960"/>
-            <a:ext cx="3696120" cy="854640"/>
+            <a:ext cx="3695760" cy="854280"/>
           </a:xfrm>
           <a:prstGeom prst="rect">
             <a:avLst/>
@@ -17489,7 +17489,7 @@
         <p:spPr>
           <a:xfrm>
             <a:off x="4222080" y="1246680"/>
-            <a:ext cx="4114440" cy="3599280"/>
+            <a:ext cx="4114080" cy="3598920"/>
           </a:xfrm>
           <a:prstGeom prst="rect">
             <a:avLst/>
@@ -17540,8 +17540,8 @@
         </p:nvSpPr>
         <p:spPr>
           <a:xfrm rot="16200000">
-            <a:off x="-2181600" y="1734120"/>
-            <a:ext cx="5143320" cy="1683360"/>
+            <a:off x="-2181600" y="1734480"/>
+            <a:ext cx="5142960" cy="1683000"/>
           </a:xfrm>
           <a:prstGeom prst="roundRect">
             <a:avLst>
@@ -17578,8 +17578,8 @@
         </p:nvSpPr>
         <p:spPr>
           <a:xfrm rot="2745000">
-            <a:off x="8575200" y="103320"/>
-            <a:ext cx="1131840" cy="1131480"/>
+            <a:off x="8575200" y="102960"/>
+            <a:ext cx="1131480" cy="1131120"/>
           </a:xfrm>
           <a:prstGeom prst="roundRect">
             <a:avLst>
@@ -17616,8 +17616,8 @@
         </p:nvSpPr>
         <p:spPr>
           <a:xfrm rot="16200000">
-            <a:off x="614880" y="919440"/>
-            <a:ext cx="3231360" cy="3313080"/>
+            <a:off x="614880" y="919800"/>
+            <a:ext cx="3231000" cy="3312720"/>
           </a:xfrm>
           <a:prstGeom prst="roundRect">
             <a:avLst>
@@ -17683,7 +17683,7 @@
         <p:spPr>
           <a:xfrm>
             <a:off x="4214160" y="456120"/>
-            <a:ext cx="4111200" cy="854640"/>
+            <a:ext cx="4110840" cy="854280"/>
           </a:xfrm>
           <a:prstGeom prst="rect">
             <a:avLst/>
@@ -17771,8 +17771,8 @@
         </p:nvSpPr>
         <p:spPr>
           <a:xfrm rot="2744400">
-            <a:off x="-280080" y="-25560"/>
-            <a:ext cx="703800" cy="703440"/>
+            <a:off x="-279720" y="-25560"/>
+            <a:ext cx="703440" cy="703080"/>
           </a:xfrm>
           <a:prstGeom prst="roundRect">
             <a:avLst>
@@ -17810,7 +17810,7 @@
         <p:spPr>
           <a:xfrm rot="2332200">
             <a:off x="6009120" y="-319680"/>
-            <a:ext cx="4854960" cy="7725960"/>
+            <a:ext cx="4854600" cy="7725600"/>
           </a:xfrm>
           <a:prstGeom prst="roundRect">
             <a:avLst>
@@ -17848,9 +17848,9 @@
         <p:grpSpPr>
           <a:xfrm>
             <a:off x="4571640" y="828000"/>
-            <a:ext cx="4467600" cy="3563640"/>
+            <a:ext cx="4467240" cy="3563280"/>
             <a:chOff x="4571640" y="828000"/>
-            <a:chExt cx="4467600" cy="3563640"/>
+            <a:chExt cx="4467240" cy="3563280"/>
           </a:xfrm>
         </p:grpSpPr>
         <p:pic>
@@ -17866,7 +17866,7 @@
           <p:spPr>
             <a:xfrm>
               <a:off x="4571640" y="828000"/>
-              <a:ext cx="4467600" cy="3563640"/>
+              <a:ext cx="4467240" cy="3563280"/>
             </a:xfrm>
             <a:prstGeom prst="rect">
               <a:avLst/>
@@ -17884,8 +17884,8 @@
           </p:nvSpPr>
           <p:spPr>
             <a:xfrm rot="16200000">
-              <a:off x="5962680" y="1159560"/>
-              <a:ext cx="1736640" cy="2770560"/>
+              <a:off x="5962680" y="1159920"/>
+              <a:ext cx="1736280" cy="2770200"/>
             </a:xfrm>
             <a:prstGeom prst="roundRect">
               <a:avLst>
@@ -17952,7 +17952,7 @@
         <p:spPr>
           <a:xfrm>
             <a:off x="5446080" y="1672200"/>
-            <a:ext cx="2770200" cy="1736640"/>
+            <a:ext cx="2769840" cy="1736280"/>
           </a:xfrm>
           <a:prstGeom prst="rect">
             <a:avLst/>
@@ -18004,7 +18004,7 @@
         <p:spPr>
           <a:xfrm>
             <a:off x="586440" y="1246680"/>
-            <a:ext cx="4003560" cy="3599280"/>
+            <a:ext cx="4003200" cy="3598920"/>
           </a:xfrm>
           <a:prstGeom prst="rect">
             <a:avLst/>
@@ -18056,7 +18056,7 @@
         <p:spPr>
           <a:xfrm>
             <a:off x="586440" y="453960"/>
-            <a:ext cx="4763520" cy="854640"/>
+            <a:ext cx="4763160" cy="854280"/>
           </a:xfrm>
           <a:prstGeom prst="rect">
             <a:avLst/>
@@ -18144,8 +18144,8 @@
         </p:nvSpPr>
         <p:spPr>
           <a:xfrm rot="2745600">
-            <a:off x="8349840" y="-668160"/>
-            <a:ext cx="1497600" cy="1497600"/>
+            <a:off x="8349840" y="-667800"/>
+            <a:ext cx="1497240" cy="1497240"/>
           </a:xfrm>
           <a:prstGeom prst="roundRect">
             <a:avLst>
@@ -18183,7 +18183,7 @@
         <p:spPr>
           <a:xfrm rot="2745600">
             <a:off x="7634160" y="-322200"/>
-            <a:ext cx="806400" cy="806760"/>
+            <a:ext cx="806040" cy="806400"/>
           </a:xfrm>
           <a:prstGeom prst="roundRect">
             <a:avLst>
@@ -18222,7 +18222,7 @@
         <p:spPr>
           <a:xfrm>
             <a:off x="586440" y="899640"/>
-            <a:ext cx="7931160" cy="1536480"/>
+            <a:ext cx="7930800" cy="1536120"/>
           </a:xfrm>
           <a:prstGeom prst="rect">
             <a:avLst/>
@@ -18274,7 +18274,7 @@
         <p:spPr>
           <a:xfrm>
             <a:off x="608040" y="2545560"/>
-            <a:ext cx="3711600" cy="2255040"/>
+            <a:ext cx="3711240" cy="2254680"/>
           </a:xfrm>
           <a:prstGeom prst="rect">
             <a:avLst/>
@@ -18326,7 +18326,7 @@
         <p:spPr>
           <a:xfrm>
             <a:off x="4806360" y="2545560"/>
-            <a:ext cx="3711600" cy="2255040"/>
+            <a:ext cx="3711240" cy="2254680"/>
           </a:xfrm>
           <a:prstGeom prst="rect">
             <a:avLst/>
@@ -18378,7 +18378,7 @@
         <p:spPr>
           <a:xfrm>
             <a:off x="583200" y="450720"/>
-            <a:ext cx="7197480" cy="511560"/>
+            <a:ext cx="7197120" cy="511200"/>
           </a:xfrm>
           <a:prstGeom prst="rect">
             <a:avLst/>
@@ -18460,7 +18460,7 @@
         <p:spPr>
           <a:xfrm>
             <a:off x="586440" y="1246680"/>
-            <a:ext cx="4003560" cy="3599280"/>
+            <a:ext cx="4003200" cy="3598920"/>
           </a:xfrm>
           <a:prstGeom prst="rect">
             <a:avLst/>
@@ -18512,7 +18512,7 @@
         <p:spPr>
           <a:xfrm>
             <a:off x="559800" y="446040"/>
-            <a:ext cx="4282920" cy="682920"/>
+            <a:ext cx="4282560" cy="682560"/>
           </a:xfrm>
           <a:prstGeom prst="rect">
             <a:avLst/>
@@ -18564,7 +18564,7 @@
         <p:spPr>
           <a:xfrm>
             <a:off x="5097600" y="360"/>
-            <a:ext cx="4379040" cy="5143320"/>
+            <a:ext cx="4378680" cy="5142960"/>
           </a:xfrm>
           <a:prstGeom prst="roundRect">
             <a:avLst>
@@ -18629,8 +18629,8 @@
         </p:nvSpPr>
         <p:spPr>
           <a:xfrm rot="2744400">
-            <a:off x="-280080" y="-25560"/>
-            <a:ext cx="703800" cy="703440"/>
+            <a:off x="-279720" y="-25560"/>
+            <a:ext cx="703440" cy="703080"/>
           </a:xfrm>
           <a:prstGeom prst="roundRect">
             <a:avLst>
@@ -18667,8 +18667,8 @@
         </p:nvSpPr>
         <p:spPr>
           <a:xfrm rot="2625600">
-            <a:off x="4861080" y="4146480"/>
-            <a:ext cx="467640" cy="467640"/>
+            <a:off x="4861080" y="4146120"/>
+            <a:ext cx="467280" cy="467280"/>
           </a:xfrm>
           <a:prstGeom prst="roundRect">
             <a:avLst>
@@ -18742,8 +18742,8 @@
         </p:nvSpPr>
         <p:spPr>
           <a:xfrm rot="2744400">
-            <a:off x="-349200" y="4539600"/>
-            <a:ext cx="703800" cy="703440"/>
+            <a:off x="-348840" y="4539240"/>
+            <a:ext cx="703440" cy="703080"/>
           </a:xfrm>
           <a:prstGeom prst="roundRect">
             <a:avLst>
@@ -18780,8 +18780,8 @@
         </p:nvSpPr>
         <p:spPr>
           <a:xfrm rot="19228200">
-            <a:off x="5845680" y="-2265840"/>
-            <a:ext cx="4854600" cy="7725600"/>
+            <a:off x="5845680" y="-2265480"/>
+            <a:ext cx="4854240" cy="7725240"/>
           </a:xfrm>
           <a:prstGeom prst="roundRect">
             <a:avLst>
@@ -18819,9 +18819,9 @@
         <p:grpSpPr>
           <a:xfrm>
             <a:off x="4571640" y="828000"/>
-            <a:ext cx="4467600" cy="3563640"/>
+            <a:ext cx="4467240" cy="3563280"/>
             <a:chOff x="4571640" y="828000"/>
-            <a:chExt cx="4467600" cy="3563640"/>
+            <a:chExt cx="4467240" cy="3563280"/>
           </a:xfrm>
         </p:grpSpPr>
         <p:pic>
@@ -18837,7 +18837,7 @@
           <p:spPr>
             <a:xfrm>
               <a:off x="4571640" y="828000"/>
-              <a:ext cx="4467600" cy="3563640"/>
+              <a:ext cx="4467240" cy="3563280"/>
             </a:xfrm>
             <a:prstGeom prst="rect">
               <a:avLst/>
@@ -18855,8 +18855,8 @@
           </p:nvSpPr>
           <p:spPr>
             <a:xfrm rot="16200000">
-              <a:off x="5962680" y="1159560"/>
-              <a:ext cx="1736640" cy="2770560"/>
+              <a:off x="5962680" y="1159920"/>
+              <a:ext cx="1736280" cy="2770200"/>
             </a:xfrm>
             <a:prstGeom prst="roundRect">
               <a:avLst>
@@ -18923,7 +18923,7 @@
         <p:spPr>
           <a:xfrm>
             <a:off x="586440" y="1246680"/>
-            <a:ext cx="4003560" cy="3599280"/>
+            <a:ext cx="4003200" cy="3598920"/>
           </a:xfrm>
           <a:prstGeom prst="rect">
             <a:avLst/>
@@ -18975,7 +18975,7 @@
         <p:spPr>
           <a:xfrm>
             <a:off x="5446080" y="1672200"/>
-            <a:ext cx="2779560" cy="1736640"/>
+            <a:ext cx="2779200" cy="1736280"/>
           </a:xfrm>
           <a:prstGeom prst="rect">
             <a:avLst/>
@@ -19027,7 +19027,7 @@
         <p:spPr>
           <a:xfrm>
             <a:off x="586440" y="453960"/>
-            <a:ext cx="3696120" cy="854640"/>
+            <a:ext cx="3695760" cy="854280"/>
           </a:xfrm>
           <a:prstGeom prst="rect">
             <a:avLst/>
@@ -19115,8 +19115,8 @@
         </p:nvSpPr>
         <p:spPr>
           <a:xfrm rot="2744400">
-            <a:off x="-280080" y="-25560"/>
-            <a:ext cx="703800" cy="703440"/>
+            <a:off x="-279720" y="-25560"/>
+            <a:ext cx="703440" cy="703080"/>
           </a:xfrm>
           <a:prstGeom prst="roundRect">
             <a:avLst>
@@ -19154,7 +19154,7 @@
         <p:spPr>
           <a:xfrm>
             <a:off x="569160" y="1888920"/>
-            <a:ext cx="4820400" cy="820800"/>
+            <a:ext cx="4820040" cy="820800"/>
           </a:xfrm>
           <a:prstGeom prst="rect">
             <a:avLst/>
@@ -19205,8 +19205,8 @@
         </p:nvSpPr>
         <p:spPr>
           <a:xfrm rot="18679800">
-            <a:off x="6782040" y="457920"/>
-            <a:ext cx="6249960" cy="4665600"/>
+            <a:off x="6781680" y="457920"/>
+            <a:ext cx="6249600" cy="4665240"/>
           </a:xfrm>
           <a:prstGeom prst="roundRect">
             <a:avLst>
@@ -19243,8 +19243,8 @@
         </p:nvSpPr>
         <p:spPr>
           <a:xfrm rot="2625600">
-            <a:off x="6024960" y="4332600"/>
-            <a:ext cx="467640" cy="467640"/>
+            <a:off x="6024960" y="4332240"/>
+            <a:ext cx="467280" cy="467280"/>
           </a:xfrm>
           <a:prstGeom prst="roundRect">
             <a:avLst>
@@ -19282,7 +19282,7 @@
         <p:spPr>
           <a:xfrm>
             <a:off x="1640880" y="4592880"/>
-            <a:ext cx="2994840" cy="265680"/>
+            <a:ext cx="2994480" cy="265320"/>
           </a:xfrm>
           <a:prstGeom prst="rect">
             <a:avLst/>
@@ -19344,7 +19344,7 @@
         <p:spPr>
           <a:xfrm>
             <a:off x="867240" y="3590280"/>
-            <a:ext cx="252720" cy="253080"/>
+            <a:ext cx="252360" cy="252720"/>
           </a:xfrm>
           <a:prstGeom prst="ellipse">
             <a:avLst/>
@@ -19379,7 +19379,7 @@
         <p:spPr>
           <a:xfrm>
             <a:off x="351000" y="3793320"/>
-            <a:ext cx="1285200" cy="1130760"/>
+            <a:ext cx="1284840" cy="1130400"/>
           </a:xfrm>
           <a:prstGeom prst="rect">
             <a:avLst/>
@@ -19435,7 +19435,7 @@
         <p:spPr>
           <a:xfrm>
             <a:off x="4222080" y="1246680"/>
-            <a:ext cx="4114440" cy="3599280"/>
+            <a:ext cx="4114080" cy="3598920"/>
           </a:xfrm>
           <a:prstGeom prst="rect">
             <a:avLst/>
@@ -19486,8 +19486,8 @@
         </p:nvSpPr>
         <p:spPr>
           <a:xfrm rot="16200000">
-            <a:off x="-2181600" y="1734120"/>
-            <a:ext cx="5143320" cy="1683360"/>
+            <a:off x="-2181600" y="1734480"/>
+            <a:ext cx="5142960" cy="1683000"/>
           </a:xfrm>
           <a:prstGeom prst="roundRect">
             <a:avLst>
@@ -19524,8 +19524,8 @@
         </p:nvSpPr>
         <p:spPr>
           <a:xfrm rot="2745000">
-            <a:off x="8575200" y="103320"/>
-            <a:ext cx="1131840" cy="1131480"/>
+            <a:off x="8575200" y="102960"/>
+            <a:ext cx="1131480" cy="1131120"/>
           </a:xfrm>
           <a:prstGeom prst="roundRect">
             <a:avLst>
@@ -19562,8 +19562,8 @@
         </p:nvSpPr>
         <p:spPr>
           <a:xfrm rot="16200000">
-            <a:off x="614880" y="919440"/>
-            <a:ext cx="3231360" cy="3313080"/>
+            <a:off x="614880" y="919800"/>
+            <a:ext cx="3231000" cy="3312720"/>
           </a:xfrm>
           <a:prstGeom prst="roundRect">
             <a:avLst>
@@ -19629,7 +19629,7 @@
         <p:spPr>
           <a:xfrm>
             <a:off x="4214160" y="456120"/>
-            <a:ext cx="4111200" cy="854640"/>
+            <a:ext cx="4110840" cy="854280"/>
           </a:xfrm>
           <a:prstGeom prst="rect">
             <a:avLst/>
@@ -19717,8 +19717,8 @@
         </p:nvSpPr>
         <p:spPr>
           <a:xfrm rot="2744400">
-            <a:off x="-280080" y="-25560"/>
-            <a:ext cx="703800" cy="703440"/>
+            <a:off x="-279720" y="-25560"/>
+            <a:ext cx="703440" cy="703080"/>
           </a:xfrm>
           <a:prstGeom prst="roundRect">
             <a:avLst>
@@ -19756,7 +19756,7 @@
         <p:spPr>
           <a:xfrm rot="2332200">
             <a:off x="6009120" y="-319680"/>
-            <a:ext cx="4854960" cy="7725960"/>
+            <a:ext cx="4854600" cy="7725600"/>
           </a:xfrm>
           <a:prstGeom prst="roundRect">
             <a:avLst>
@@ -19794,9 +19794,9 @@
         <p:grpSpPr>
           <a:xfrm>
             <a:off x="4571640" y="828000"/>
-            <a:ext cx="4467600" cy="3563640"/>
+            <a:ext cx="4467240" cy="3563280"/>
             <a:chOff x="4571640" y="828000"/>
-            <a:chExt cx="4467600" cy="3563640"/>
+            <a:chExt cx="4467240" cy="3563280"/>
           </a:xfrm>
         </p:grpSpPr>
         <p:pic>
@@ -19812,7 +19812,7 @@
           <p:spPr>
             <a:xfrm>
               <a:off x="4571640" y="828000"/>
-              <a:ext cx="4467600" cy="3563640"/>
+              <a:ext cx="4467240" cy="3563280"/>
             </a:xfrm>
             <a:prstGeom prst="rect">
               <a:avLst/>
@@ -19830,8 +19830,8 @@
           </p:nvSpPr>
           <p:spPr>
             <a:xfrm rot="16200000">
-              <a:off x="5962680" y="1159560"/>
-              <a:ext cx="1736640" cy="2770560"/>
+              <a:off x="5962680" y="1159920"/>
+              <a:ext cx="1736280" cy="2770200"/>
             </a:xfrm>
             <a:prstGeom prst="roundRect">
               <a:avLst>
@@ -19898,7 +19898,7 @@
         <p:spPr>
           <a:xfrm>
             <a:off x="5446080" y="1672200"/>
-            <a:ext cx="2770200" cy="1736640"/>
+            <a:ext cx="2769840" cy="1736280"/>
           </a:xfrm>
           <a:prstGeom prst="rect">
             <a:avLst/>
@@ -19950,7 +19950,7 @@
         <p:spPr>
           <a:xfrm>
             <a:off x="586440" y="1246680"/>
-            <a:ext cx="4003560" cy="3599280"/>
+            <a:ext cx="4003200" cy="3598920"/>
           </a:xfrm>
           <a:prstGeom prst="rect">
             <a:avLst/>
@@ -20002,7 +20002,7 @@
         <p:spPr>
           <a:xfrm>
             <a:off x="586440" y="453960"/>
-            <a:ext cx="4763520" cy="854640"/>
+            <a:ext cx="4763160" cy="854280"/>
           </a:xfrm>
           <a:prstGeom prst="rect">
             <a:avLst/>
@@ -20090,8 +20090,8 @@
         </p:nvSpPr>
         <p:spPr>
           <a:xfrm rot="2745600">
-            <a:off x="8349840" y="-668160"/>
-            <a:ext cx="1497600" cy="1497600"/>
+            <a:off x="8349840" y="-667800"/>
+            <a:ext cx="1497240" cy="1497240"/>
           </a:xfrm>
           <a:prstGeom prst="roundRect">
             <a:avLst>
@@ -20129,7 +20129,7 @@
         <p:spPr>
           <a:xfrm rot="2745600">
             <a:off x="7634160" y="-322200"/>
-            <a:ext cx="806400" cy="806760"/>
+            <a:ext cx="806040" cy="806400"/>
           </a:xfrm>
           <a:prstGeom prst="roundRect">
             <a:avLst>
@@ -20168,7 +20168,7 @@
         <p:spPr>
           <a:xfrm>
             <a:off x="586440" y="899640"/>
-            <a:ext cx="7931160" cy="1536480"/>
+            <a:ext cx="7930800" cy="1536120"/>
           </a:xfrm>
           <a:prstGeom prst="rect">
             <a:avLst/>
@@ -20220,7 +20220,7 @@
         <p:spPr>
           <a:xfrm>
             <a:off x="608040" y="2545560"/>
-            <a:ext cx="3711600" cy="2255040"/>
+            <a:ext cx="3711240" cy="2254680"/>
           </a:xfrm>
           <a:prstGeom prst="rect">
             <a:avLst/>
@@ -20272,7 +20272,7 @@
         <p:spPr>
           <a:xfrm>
             <a:off x="4806360" y="2545560"/>
-            <a:ext cx="3711600" cy="2255040"/>
+            <a:ext cx="3711240" cy="2254680"/>
           </a:xfrm>
           <a:prstGeom prst="rect">
             <a:avLst/>
@@ -20324,7 +20324,7 @@
         <p:spPr>
           <a:xfrm>
             <a:off x="583200" y="450720"/>
-            <a:ext cx="7197480" cy="511560"/>
+            <a:ext cx="7197120" cy="511200"/>
           </a:xfrm>
           <a:prstGeom prst="rect">
             <a:avLst/>
@@ -20406,7 +20406,7 @@
         <p:spPr>
           <a:xfrm>
             <a:off x="586440" y="1246680"/>
-            <a:ext cx="4003560" cy="3599280"/>
+            <a:ext cx="4003200" cy="3598920"/>
           </a:xfrm>
           <a:prstGeom prst="rect">
             <a:avLst/>
@@ -20458,7 +20458,7 @@
         <p:spPr>
           <a:xfrm>
             <a:off x="559800" y="446040"/>
-            <a:ext cx="4282920" cy="682920"/>
+            <a:ext cx="4282560" cy="682560"/>
           </a:xfrm>
           <a:prstGeom prst="rect">
             <a:avLst/>
@@ -20510,7 +20510,7 @@
         <p:spPr>
           <a:xfrm>
             <a:off x="5097600" y="360"/>
-            <a:ext cx="4379040" cy="5143320"/>
+            <a:ext cx="4378680" cy="5142960"/>
           </a:xfrm>
           <a:prstGeom prst="roundRect">
             <a:avLst>
@@ -20575,8 +20575,8 @@
         </p:nvSpPr>
         <p:spPr>
           <a:xfrm rot="2744400">
-            <a:off x="-280080" y="-25560"/>
-            <a:ext cx="703800" cy="703440"/>
+            <a:off x="-279720" y="-25560"/>
+            <a:ext cx="703440" cy="703080"/>
           </a:xfrm>
           <a:prstGeom prst="roundRect">
             <a:avLst>
@@ -20613,8 +20613,8 @@
         </p:nvSpPr>
         <p:spPr>
           <a:xfrm rot="2625600">
-            <a:off x="4861080" y="4146480"/>
-            <a:ext cx="467640" cy="467640"/>
+            <a:off x="4861080" y="4146120"/>
+            <a:ext cx="467280" cy="467280"/>
           </a:xfrm>
           <a:prstGeom prst="roundRect">
             <a:avLst>
@@ -20688,8 +20688,8 @@
         </p:nvSpPr>
         <p:spPr>
           <a:xfrm rot="2744400">
-            <a:off x="-349200" y="4539600"/>
-            <a:ext cx="703800" cy="703440"/>
+            <a:off x="-348840" y="4539240"/>
+            <a:ext cx="703440" cy="703080"/>
           </a:xfrm>
           <a:prstGeom prst="roundRect">
             <a:avLst>
@@ -20726,8 +20726,8 @@
         </p:nvSpPr>
         <p:spPr>
           <a:xfrm rot="19228200">
-            <a:off x="5845680" y="-2265840"/>
-            <a:ext cx="4854600" cy="7725600"/>
+            <a:off x="5845680" y="-2265480"/>
+            <a:ext cx="4854240" cy="7725240"/>
           </a:xfrm>
           <a:prstGeom prst="roundRect">
             <a:avLst>
@@ -20765,9 +20765,9 @@
         <p:grpSpPr>
           <a:xfrm>
             <a:off x="4571640" y="828000"/>
-            <a:ext cx="4467600" cy="3563640"/>
+            <a:ext cx="4467240" cy="3563280"/>
             <a:chOff x="4571640" y="828000"/>
-            <a:chExt cx="4467600" cy="3563640"/>
+            <a:chExt cx="4467240" cy="3563280"/>
           </a:xfrm>
         </p:grpSpPr>
         <p:pic>
@@ -20783,7 +20783,7 @@
           <p:spPr>
             <a:xfrm>
               <a:off x="4571640" y="828000"/>
-              <a:ext cx="4467600" cy="3563640"/>
+              <a:ext cx="4467240" cy="3563280"/>
             </a:xfrm>
             <a:prstGeom prst="rect">
               <a:avLst/>
@@ -20801,8 +20801,8 @@
           </p:nvSpPr>
           <p:spPr>
             <a:xfrm rot="16200000">
-              <a:off x="5962680" y="1159560"/>
-              <a:ext cx="1736640" cy="2770560"/>
+              <a:off x="5962680" y="1159920"/>
+              <a:ext cx="1736280" cy="2770200"/>
             </a:xfrm>
             <a:prstGeom prst="roundRect">
               <a:avLst>
@@ -20869,7 +20869,7 @@
         <p:spPr>
           <a:xfrm>
             <a:off x="586440" y="1246680"/>
-            <a:ext cx="4003560" cy="3599280"/>
+            <a:ext cx="4003200" cy="3598920"/>
           </a:xfrm>
           <a:prstGeom prst="rect">
             <a:avLst/>
@@ -20921,7 +20921,7 @@
         <p:spPr>
           <a:xfrm>
             <a:off x="5446080" y="1672200"/>
-            <a:ext cx="2779560" cy="1736640"/>
+            <a:ext cx="2779200" cy="1736280"/>
           </a:xfrm>
           <a:prstGeom prst="rect">
             <a:avLst/>
@@ -20973,7 +20973,7 @@
         <p:spPr>
           <a:xfrm>
             <a:off x="586440" y="453960"/>
-            <a:ext cx="3696120" cy="854640"/>
+            <a:ext cx="3695760" cy="854280"/>
           </a:xfrm>
           <a:prstGeom prst="rect">
             <a:avLst/>
@@ -21062,7 +21062,7 @@
         <p:spPr>
           <a:xfrm>
             <a:off x="4222080" y="1246680"/>
-            <a:ext cx="4114440" cy="3599280"/>
+            <a:ext cx="4114080" cy="3598920"/>
           </a:xfrm>
           <a:prstGeom prst="rect">
             <a:avLst/>
@@ -21113,8 +21113,8 @@
         </p:nvSpPr>
         <p:spPr>
           <a:xfrm rot="16200000">
-            <a:off x="-2181600" y="1734120"/>
-            <a:ext cx="5143320" cy="1683360"/>
+            <a:off x="-2181600" y="1734480"/>
+            <a:ext cx="5142960" cy="1683000"/>
           </a:xfrm>
           <a:prstGeom prst="roundRect">
             <a:avLst>
@@ -21151,8 +21151,8 @@
         </p:nvSpPr>
         <p:spPr>
           <a:xfrm rot="2745000">
-            <a:off x="8575200" y="103320"/>
-            <a:ext cx="1131840" cy="1131480"/>
+            <a:off x="8575200" y="102960"/>
+            <a:ext cx="1131480" cy="1131120"/>
           </a:xfrm>
           <a:prstGeom prst="roundRect">
             <a:avLst>
@@ -21189,8 +21189,8 @@
         </p:nvSpPr>
         <p:spPr>
           <a:xfrm rot="16200000">
-            <a:off x="614880" y="919440"/>
-            <a:ext cx="3231360" cy="3313080"/>
+            <a:off x="614880" y="919800"/>
+            <a:ext cx="3231000" cy="3312720"/>
           </a:xfrm>
           <a:prstGeom prst="roundRect">
             <a:avLst>
@@ -21256,7 +21256,7 @@
         <p:spPr>
           <a:xfrm>
             <a:off x="4214160" y="456120"/>
-            <a:ext cx="4111200" cy="854640"/>
+            <a:ext cx="4110840" cy="854280"/>
           </a:xfrm>
           <a:prstGeom prst="rect">
             <a:avLst/>
